--- a/slides/Session 3 - Diamonds With SQL.pptx
+++ b/slides/Session 3 - Diamonds With SQL.pptx
@@ -8,24 +8,27 @@
     <p:notesMasterId r:id="rId5"/>
   </p:notesMasterIdLst>
   <p:handoutMasterIdLst>
-    <p:handoutMasterId r:id="rId19"/>
+    <p:handoutMasterId r:id="rId22"/>
   </p:handoutMasterIdLst>
   <p:sldIdLst>
     <p:sldId id="256" r:id="rId3"/>
     <p:sldId id="276" r:id="rId4"/>
-    <p:sldId id="279" r:id="rId6"/>
-    <p:sldId id="280" r:id="rId7"/>
-    <p:sldId id="281" r:id="rId8"/>
-    <p:sldId id="282" r:id="rId9"/>
-    <p:sldId id="283" r:id="rId10"/>
-    <p:sldId id="285" r:id="rId11"/>
-    <p:sldId id="286" r:id="rId12"/>
-    <p:sldId id="287" r:id="rId13"/>
-    <p:sldId id="288" r:id="rId14"/>
-    <p:sldId id="284" r:id="rId15"/>
-    <p:sldId id="289" r:id="rId16"/>
-    <p:sldId id="268" r:id="rId17"/>
-    <p:sldId id="270" r:id="rId18"/>
+    <p:sldId id="293" r:id="rId6"/>
+    <p:sldId id="279" r:id="rId7"/>
+    <p:sldId id="280" r:id="rId8"/>
+    <p:sldId id="281" r:id="rId9"/>
+    <p:sldId id="282" r:id="rId10"/>
+    <p:sldId id="294" r:id="rId11"/>
+    <p:sldId id="283" r:id="rId12"/>
+    <p:sldId id="285" r:id="rId13"/>
+    <p:sldId id="286" r:id="rId14"/>
+    <p:sldId id="287" r:id="rId15"/>
+    <p:sldId id="288" r:id="rId16"/>
+    <p:sldId id="284" r:id="rId17"/>
+    <p:sldId id="295" r:id="rId18"/>
+    <p:sldId id="289" r:id="rId19"/>
+    <p:sldId id="268" r:id="rId20"/>
+    <p:sldId id="270" r:id="rId21"/>
   </p:sldIdLst>
   <p:sldSz cx="12192000" cy="6858000"/>
   <p:notesSz cx="7103745" cy="10234295"/>
@@ -807,6 +810,174 @@
 </file>
 
 <file path=ppt/notesSlides/notesSlide12.xml><?xml version="1.0" encoding="utf-8"?>
+<p:notes xmlns:a="http://schemas.openxmlformats.org/drawingml/2006/main" xmlns:r="http://schemas.openxmlformats.org/officeDocument/2006/relationships" xmlns:p="http://schemas.openxmlformats.org/presentationml/2006/main">
+  <p:cSld>
+    <p:spTree>
+      <p:nvGrpSpPr>
+        <p:cNvPr id="1" name=""/>
+        <p:cNvGrpSpPr/>
+        <p:nvPr/>
+      </p:nvGrpSpPr>
+      <p:grpSpPr>
+        <a:xfrm>
+          <a:off x="0" y="0"/>
+          <a:ext cx="0" cy="0"/>
+          <a:chOff x="0" y="0"/>
+          <a:chExt cx="0" cy="0"/>
+        </a:xfrm>
+      </p:grpSpPr>
+      <p:sp>
+        <p:nvSpPr>
+          <p:cNvPr id="2" name="Slide Image Placeholder 1"/>
+          <p:cNvSpPr>
+            <a:spLocks noGrp="1" noRot="1" noChangeAspect="1"/>
+          </p:cNvSpPr>
+          <p:nvPr>
+            <p:ph type="sldImg" idx="2"/>
+          </p:nvPr>
+        </p:nvSpPr>
+        <p:spPr/>
+      </p:sp>
+      <p:sp>
+        <p:nvSpPr>
+          <p:cNvPr id="3" name="Text Placeholder 2"/>
+          <p:cNvSpPr>
+            <a:spLocks noGrp="1"/>
+          </p:cNvSpPr>
+          <p:nvPr>
+            <p:ph type="body" idx="3"/>
+          </p:nvPr>
+        </p:nvSpPr>
+        <p:spPr/>
+        <p:txBody>
+          <a:bodyPr/>
+          <a:lstStyle/>
+          <a:p>
+            <a:endParaRPr lang="en-US" dirty="0"/>
+          </a:p>
+        </p:txBody>
+      </p:sp>
+    </p:spTree>
+  </p:cSld>
+  <p:clrMapOvr>
+    <a:masterClrMapping/>
+  </p:clrMapOvr>
+</p:notes>
+</file>
+
+<file path=ppt/notesSlides/notesSlide13.xml><?xml version="1.0" encoding="utf-8"?>
+<p:notes xmlns:a="http://schemas.openxmlformats.org/drawingml/2006/main" xmlns:r="http://schemas.openxmlformats.org/officeDocument/2006/relationships" xmlns:p="http://schemas.openxmlformats.org/presentationml/2006/main">
+  <p:cSld>
+    <p:spTree>
+      <p:nvGrpSpPr>
+        <p:cNvPr id="1" name=""/>
+        <p:cNvGrpSpPr/>
+        <p:nvPr/>
+      </p:nvGrpSpPr>
+      <p:grpSpPr>
+        <a:xfrm>
+          <a:off x="0" y="0"/>
+          <a:ext cx="0" cy="0"/>
+          <a:chOff x="0" y="0"/>
+          <a:chExt cx="0" cy="0"/>
+        </a:xfrm>
+      </p:grpSpPr>
+      <p:sp>
+        <p:nvSpPr>
+          <p:cNvPr id="2" name="Slide Image Placeholder 1"/>
+          <p:cNvSpPr>
+            <a:spLocks noGrp="1" noRot="1" noChangeAspect="1"/>
+          </p:cNvSpPr>
+          <p:nvPr>
+            <p:ph type="sldImg" idx="2"/>
+          </p:nvPr>
+        </p:nvSpPr>
+        <p:spPr/>
+      </p:sp>
+      <p:sp>
+        <p:nvSpPr>
+          <p:cNvPr id="3" name="Text Placeholder 2"/>
+          <p:cNvSpPr>
+            <a:spLocks noGrp="1"/>
+          </p:cNvSpPr>
+          <p:nvPr>
+            <p:ph type="body" idx="3"/>
+          </p:nvPr>
+        </p:nvSpPr>
+        <p:spPr/>
+        <p:txBody>
+          <a:bodyPr/>
+          <a:lstStyle/>
+          <a:p>
+            <a:endParaRPr lang="en-US" dirty="0"/>
+          </a:p>
+        </p:txBody>
+      </p:sp>
+    </p:spTree>
+  </p:cSld>
+  <p:clrMapOvr>
+    <a:masterClrMapping/>
+  </p:clrMapOvr>
+</p:notes>
+</file>
+
+<file path=ppt/notesSlides/notesSlide14.xml><?xml version="1.0" encoding="utf-8"?>
+<p:notes xmlns:a="http://schemas.openxmlformats.org/drawingml/2006/main" xmlns:r="http://schemas.openxmlformats.org/officeDocument/2006/relationships" xmlns:p="http://schemas.openxmlformats.org/presentationml/2006/main">
+  <p:cSld>
+    <p:spTree>
+      <p:nvGrpSpPr>
+        <p:cNvPr id="1" name=""/>
+        <p:cNvGrpSpPr/>
+        <p:nvPr/>
+      </p:nvGrpSpPr>
+      <p:grpSpPr>
+        <a:xfrm>
+          <a:off x="0" y="0"/>
+          <a:ext cx="0" cy="0"/>
+          <a:chOff x="0" y="0"/>
+          <a:chExt cx="0" cy="0"/>
+        </a:xfrm>
+      </p:grpSpPr>
+      <p:sp>
+        <p:nvSpPr>
+          <p:cNvPr id="2" name="Slide Image Placeholder 1"/>
+          <p:cNvSpPr>
+            <a:spLocks noGrp="1" noRot="1" noChangeAspect="1"/>
+          </p:cNvSpPr>
+          <p:nvPr>
+            <p:ph type="sldImg" idx="2"/>
+          </p:nvPr>
+        </p:nvSpPr>
+        <p:spPr/>
+      </p:sp>
+      <p:sp>
+        <p:nvSpPr>
+          <p:cNvPr id="3" name="Text Placeholder 2"/>
+          <p:cNvSpPr>
+            <a:spLocks noGrp="1"/>
+          </p:cNvSpPr>
+          <p:nvPr>
+            <p:ph type="body" idx="3"/>
+          </p:nvPr>
+        </p:nvSpPr>
+        <p:spPr/>
+        <p:txBody>
+          <a:bodyPr/>
+          <a:lstStyle/>
+          <a:p>
+            <a:endParaRPr lang="en-US" dirty="0"/>
+          </a:p>
+        </p:txBody>
+      </p:sp>
+    </p:spTree>
+  </p:cSld>
+  <p:clrMapOvr>
+    <a:masterClrMapping/>
+  </p:clrMapOvr>
+</p:notes>
+</file>
+
+<file path=ppt/notesSlides/notesSlide15.xml><?xml version="1.0" encoding="utf-8"?>
 <p:notes xmlns:a="http://schemas.openxmlformats.org/drawingml/2006/main" xmlns:r="http://schemas.openxmlformats.org/officeDocument/2006/relationships" xmlns:p="http://schemas.openxmlformats.org/presentationml/2006/main">
   <p:cSld>
     <p:spTree>
@@ -4837,6 +5008,279 @@
           </a:p>
         </p:txBody>
       </p:sp>
+      <p:sp>
+        <p:nvSpPr>
+          <p:cNvPr id="3" name="Content Placeholder 2"/>
+          <p:cNvSpPr>
+            <a:spLocks noGrp="1"/>
+          </p:cNvSpPr>
+          <p:nvPr>
+            <p:ph idx="1"/>
+          </p:nvPr>
+        </p:nvSpPr>
+        <p:spPr/>
+        <p:txBody>
+          <a:bodyPr/>
+          <a:lstStyle/>
+          <a:p>
+            <a:pPr marL="0" indent="0" algn="l">
+              <a:buNone/>
+            </a:pPr>
+            <a:r>
+              <a:rPr lang="en-US" altLang="ar-EG" sz="2400" b="1" dirty="0">
+                <a:latin typeface="Ubuntu" panose="020B0504030602030204" charset="0"/>
+                <a:cs typeface="Ubuntu" panose="020B0504030602030204" charset="0"/>
+              </a:rPr>
+              <a:t>Structure Query Language</a:t>
+            </a:r>
+            <a:r>
+              <a:rPr lang="en-US" altLang="ar-EG" sz="2400" dirty="0">
+                <a:latin typeface="Ubuntu" panose="020B0504030602030204" charset="0"/>
+                <a:cs typeface="Ubuntu" panose="020B0504030602030204" charset="0"/>
+              </a:rPr>
+              <a:t> (SQL): is a standard programming language used to operate </a:t>
+            </a:r>
+            <a:r>
+              <a:rPr lang="en-US" altLang="ar-EG" sz="2400" b="1" dirty="0">
+                <a:latin typeface="Ubuntu" panose="020B0504030602030204" charset="0"/>
+                <a:cs typeface="Ubuntu" panose="020B0504030602030204" charset="0"/>
+              </a:rPr>
+              <a:t>Relational Databases </a:t>
+            </a:r>
+            <a:r>
+              <a:rPr lang="en-US" altLang="ar-EG" sz="2400" dirty="0">
+                <a:latin typeface="Ubuntu" panose="020B0504030602030204" charset="0"/>
+                <a:cs typeface="Ubuntu" panose="020B0504030602030204" charset="0"/>
+              </a:rPr>
+              <a:t>and carry out various operations such: </a:t>
+            </a:r>
+            <a:endParaRPr lang="en-US" altLang="ar-EG" sz="2400" dirty="0">
+              <a:latin typeface="Ubuntu" panose="020B0504030602030204" charset="0"/>
+              <a:cs typeface="Ubuntu" panose="020B0504030602030204" charset="0"/>
+            </a:endParaRPr>
+          </a:p>
+          <a:p>
+            <a:pPr algn="l"/>
+            <a:r>
+              <a:rPr lang="en-US" altLang="ar-EG" sz="2400" dirty="0">
+                <a:latin typeface="Ubuntu" panose="020B0504030602030204" charset="0"/>
+                <a:cs typeface="Ubuntu" panose="020B0504030602030204" charset="0"/>
+              </a:rPr>
+              <a:t>Create new databases, tables, and views.</a:t>
+            </a:r>
+            <a:endParaRPr lang="en-US" altLang="ar-EG" sz="2400" dirty="0">
+              <a:latin typeface="Ubuntu" panose="020B0504030602030204" charset="0"/>
+              <a:cs typeface="Ubuntu" panose="020B0504030602030204" charset="0"/>
+            </a:endParaRPr>
+          </a:p>
+          <a:p>
+            <a:pPr algn="l"/>
+            <a:r>
+              <a:rPr lang="en-US" altLang="ar-EG" sz="2400" dirty="0">
+                <a:latin typeface="Ubuntu" panose="020B0504030602030204" charset="0"/>
+                <a:cs typeface="Ubuntu" panose="020B0504030602030204" charset="0"/>
+              </a:rPr>
+              <a:t>Insert records in a database.</a:t>
+            </a:r>
+            <a:endParaRPr lang="en-US" altLang="ar-EG" sz="2400" dirty="0">
+              <a:latin typeface="Ubuntu" panose="020B0504030602030204" charset="0"/>
+              <a:cs typeface="Ubuntu" panose="020B0504030602030204" charset="0"/>
+            </a:endParaRPr>
+          </a:p>
+          <a:p>
+            <a:pPr algn="l"/>
+            <a:r>
+              <a:rPr lang="en-US" altLang="ar-EG" sz="2400" dirty="0">
+                <a:latin typeface="Ubuntu" panose="020B0504030602030204" charset="0"/>
+                <a:cs typeface="Ubuntu" panose="020B0504030602030204" charset="0"/>
+              </a:rPr>
+              <a:t>Update records in a database.</a:t>
+            </a:r>
+            <a:endParaRPr lang="en-US" altLang="ar-EG" sz="2400" dirty="0">
+              <a:latin typeface="Ubuntu" panose="020B0504030602030204" charset="0"/>
+              <a:cs typeface="Ubuntu" panose="020B0504030602030204" charset="0"/>
+            </a:endParaRPr>
+          </a:p>
+          <a:p>
+            <a:pPr algn="l"/>
+            <a:r>
+              <a:rPr lang="en-US" altLang="ar-EG" sz="2400" dirty="0">
+                <a:latin typeface="Ubuntu" panose="020B0504030602030204" charset="0"/>
+                <a:cs typeface="Ubuntu" panose="020B0504030602030204" charset="0"/>
+              </a:rPr>
+              <a:t>Delete records from a database.</a:t>
+            </a:r>
+            <a:endParaRPr lang="en-US" altLang="ar-EG" sz="2400" dirty="0">
+              <a:latin typeface="Ubuntu" panose="020B0504030602030204" charset="0"/>
+              <a:cs typeface="Ubuntu" panose="020B0504030602030204" charset="0"/>
+            </a:endParaRPr>
+          </a:p>
+          <a:p>
+            <a:pPr algn="l"/>
+            <a:r>
+              <a:rPr lang="en-US" altLang="ar-EG" sz="2400" dirty="0">
+                <a:latin typeface="Ubuntu" panose="020B0504030602030204" charset="0"/>
+                <a:cs typeface="Ubuntu" panose="020B0504030602030204" charset="0"/>
+              </a:rPr>
+              <a:t>Retrieve data from a database.</a:t>
+            </a:r>
+            <a:endParaRPr lang="en-US" altLang="ar-EG" sz="2400" dirty="0">
+              <a:latin typeface="Ubuntu" panose="020B0504030602030204" charset="0"/>
+              <a:cs typeface="Ubuntu" panose="020B0504030602030204" charset="0"/>
+            </a:endParaRPr>
+          </a:p>
+        </p:txBody>
+      </p:sp>
+    </p:spTree>
+  </p:cSld>
+  <p:clrMapOvr>
+    <a:masterClrMapping/>
+  </p:clrMapOvr>
+  <mc:AlternateContent xmlns:mc="http://schemas.openxmlformats.org/markup-compatibility/2006">
+    <mc:Choice xmlns:p14="http://schemas.microsoft.com/office/powerpoint/2010/main" Requires="p14">
+      <p:transition spd="slow" p14:dur="1200"/>
+    </mc:Choice>
+    <mc:Fallback>
+      <p:transition spd="slow"/>
+    </mc:Fallback>
+  </mc:AlternateContent>
+</p:sld>
+</file>
+
+<file path=ppt/slides/slide11.xml><?xml version="1.0" encoding="utf-8"?>
+<p:sld xmlns:a="http://schemas.openxmlformats.org/drawingml/2006/main" xmlns:r="http://schemas.openxmlformats.org/officeDocument/2006/relationships" xmlns:p="http://schemas.openxmlformats.org/presentationml/2006/main">
+  <p:cSld>
+    <p:spTree>
+      <p:nvGrpSpPr>
+        <p:cNvPr id="1" name=""/>
+        <p:cNvGrpSpPr/>
+        <p:nvPr/>
+      </p:nvGrpSpPr>
+      <p:grpSpPr>
+        <a:xfrm>
+          <a:off x="0" y="0"/>
+          <a:ext cx="0" cy="0"/>
+          <a:chOff x="0" y="0"/>
+          <a:chExt cx="0" cy="0"/>
+        </a:xfrm>
+      </p:grpSpPr>
+      <p:sp>
+        <p:nvSpPr>
+          <p:cNvPr id="2" name="Title 1"/>
+          <p:cNvSpPr>
+            <a:spLocks noGrp="1"/>
+          </p:cNvSpPr>
+          <p:nvPr>
+            <p:ph type="title"/>
+          </p:nvPr>
+        </p:nvSpPr>
+        <p:spPr/>
+        <p:txBody>
+          <a:bodyPr/>
+          <a:lstStyle/>
+          <a:p>
+            <a:pPr algn="l"/>
+            <a:r>
+              <a:rPr lang="en-US">
+                <a:latin typeface="Ubuntu" panose="020B0504030602030204" charset="0"/>
+                <a:cs typeface="Ubuntu" panose="020B0504030602030204" charset="0"/>
+              </a:rPr>
+              <a:t>SQL Databases (cont)</a:t>
+            </a:r>
+            <a:endParaRPr lang="en-US">
+              <a:latin typeface="Ubuntu" panose="020B0504030602030204" charset="0"/>
+              <a:cs typeface="Ubuntu" panose="020B0504030602030204" charset="0"/>
+            </a:endParaRPr>
+          </a:p>
+        </p:txBody>
+      </p:sp>
+      <p:pic>
+        <p:nvPicPr>
+          <p:cNvPr id="4" name="Picture 3"/>
+          <p:cNvPicPr>
+            <a:picLocks noChangeAspect="1"/>
+          </p:cNvPicPr>
+          <p:nvPr/>
+        </p:nvPicPr>
+        <p:blipFill>
+          <a:blip r:embed="rId1"/>
+          <a:stretch>
+            <a:fillRect/>
+          </a:stretch>
+        </p:blipFill>
+        <p:spPr>
+          <a:xfrm>
+            <a:off x="2355215" y="1543050"/>
+            <a:ext cx="7482205" cy="5037455"/>
+          </a:xfrm>
+          <a:prstGeom prst="rect">
+            <a:avLst/>
+          </a:prstGeom>
+        </p:spPr>
+      </p:pic>
+    </p:spTree>
+  </p:cSld>
+  <p:clrMapOvr>
+    <a:masterClrMapping/>
+  </p:clrMapOvr>
+  <mc:AlternateContent xmlns:mc="http://schemas.openxmlformats.org/markup-compatibility/2006">
+    <mc:Choice xmlns:p14="http://schemas.microsoft.com/office/powerpoint/2010/main" Requires="p14">
+      <p:transition spd="slow" p14:dur="1200"/>
+    </mc:Choice>
+    <mc:Fallback>
+      <p:transition spd="slow"/>
+    </mc:Fallback>
+  </mc:AlternateContent>
+</p:sld>
+</file>
+
+<file path=ppt/slides/slide12.xml><?xml version="1.0" encoding="utf-8"?>
+<p:sld xmlns:a="http://schemas.openxmlformats.org/drawingml/2006/main" xmlns:r="http://schemas.openxmlformats.org/officeDocument/2006/relationships" xmlns:p="http://schemas.openxmlformats.org/presentationml/2006/main">
+  <p:cSld>
+    <p:spTree>
+      <p:nvGrpSpPr>
+        <p:cNvPr id="1" name=""/>
+        <p:cNvGrpSpPr/>
+        <p:nvPr/>
+      </p:nvGrpSpPr>
+      <p:grpSpPr>
+        <a:xfrm>
+          <a:off x="0" y="0"/>
+          <a:ext cx="0" cy="0"/>
+          <a:chOff x="0" y="0"/>
+          <a:chExt cx="0" cy="0"/>
+        </a:xfrm>
+      </p:grpSpPr>
+      <p:sp>
+        <p:nvSpPr>
+          <p:cNvPr id="2" name="Title 1"/>
+          <p:cNvSpPr>
+            <a:spLocks noGrp="1"/>
+          </p:cNvSpPr>
+          <p:nvPr>
+            <p:ph type="title"/>
+          </p:nvPr>
+        </p:nvSpPr>
+        <p:spPr/>
+        <p:txBody>
+          <a:bodyPr/>
+          <a:lstStyle/>
+          <a:p>
+            <a:pPr algn="l"/>
+            <a:r>
+              <a:rPr lang="en-US">
+                <a:latin typeface="Ubuntu" panose="020B0504030602030204" charset="0"/>
+                <a:cs typeface="Ubuntu" panose="020B0504030602030204" charset="0"/>
+              </a:rPr>
+              <a:t>SQL Databases (cont)</a:t>
+            </a:r>
+            <a:endParaRPr lang="en-US">
+              <a:latin typeface="Ubuntu" panose="020B0504030602030204" charset="0"/>
+              <a:cs typeface="Ubuntu" panose="020B0504030602030204" charset="0"/>
+            </a:endParaRPr>
+          </a:p>
+        </p:txBody>
+      </p:sp>
       <p:pic>
         <p:nvPicPr>
           <p:cNvPr id="3" name="Picture 2"/>
@@ -4877,7 +5321,7 @@
 </p:sld>
 </file>
 
-<file path=ppt/slides/slide11.xml><?xml version="1.0" encoding="utf-8"?>
+<file path=ppt/slides/slide13.xml><?xml version="1.0" encoding="utf-8"?>
 <p:sld xmlns:a="http://schemas.openxmlformats.org/drawingml/2006/main" xmlns:r="http://schemas.openxmlformats.org/officeDocument/2006/relationships" xmlns:p="http://schemas.openxmlformats.org/presentationml/2006/main">
   <p:cSld>
     <p:spTree>
@@ -4964,408 +5408,6 @@
 </p:sld>
 </file>
 
-<file path=ppt/slides/slide12.xml><?xml version="1.0" encoding="utf-8"?>
-<p:sld xmlns:a="http://schemas.openxmlformats.org/drawingml/2006/main" xmlns:r="http://schemas.openxmlformats.org/officeDocument/2006/relationships" xmlns:p="http://schemas.openxmlformats.org/presentationml/2006/main">
-  <p:cSld>
-    <p:spTree>
-      <p:nvGrpSpPr>
-        <p:cNvPr id="1" name=""/>
-        <p:cNvGrpSpPr/>
-        <p:nvPr/>
-      </p:nvGrpSpPr>
-      <p:grpSpPr>
-        <a:xfrm>
-          <a:off x="0" y="0"/>
-          <a:ext cx="0" cy="0"/>
-          <a:chOff x="0" y="0"/>
-          <a:chExt cx="0" cy="0"/>
-        </a:xfrm>
-      </p:grpSpPr>
-      <p:sp>
-        <p:nvSpPr>
-          <p:cNvPr id="2" name="Title 1"/>
-          <p:cNvSpPr>
-            <a:spLocks noGrp="1"/>
-          </p:cNvSpPr>
-          <p:nvPr>
-            <p:ph type="title"/>
-          </p:nvPr>
-        </p:nvSpPr>
-        <p:spPr/>
-        <p:txBody>
-          <a:bodyPr/>
-          <a:lstStyle/>
-          <a:p>
-            <a:pPr algn="l"/>
-            <a:r>
-              <a:rPr lang="en-US">
-                <a:latin typeface="Ubuntu" panose="020B0504030602030204" charset="0"/>
-                <a:cs typeface="Ubuntu" panose="020B0504030602030204" charset="0"/>
-              </a:rPr>
-              <a:t>SQL Statements</a:t>
-            </a:r>
-            <a:endParaRPr lang="en-US">
-              <a:latin typeface="Ubuntu" panose="020B0504030602030204" charset="0"/>
-              <a:cs typeface="Ubuntu" panose="020B0504030602030204" charset="0"/>
-            </a:endParaRPr>
-          </a:p>
-        </p:txBody>
-      </p:sp>
-      <p:sp>
-        <p:nvSpPr>
-          <p:cNvPr id="3" name="Content Placeholder 2"/>
-          <p:cNvSpPr>
-            <a:spLocks noGrp="1"/>
-          </p:cNvSpPr>
-          <p:nvPr>
-            <p:ph idx="1"/>
-          </p:nvPr>
-        </p:nvSpPr>
-        <p:spPr/>
-        <p:txBody>
-          <a:bodyPr/>
-          <a:lstStyle/>
-          <a:p>
-            <a:pPr algn="l"/>
-            <a:r>
-              <a:rPr lang="en-US" altLang="ar-EG" sz="2400" b="1" dirty="0">
-                <a:latin typeface="Ubuntu" panose="020B0504030602030204" charset="0"/>
-                <a:cs typeface="Ubuntu" panose="020B0504030602030204" charset="0"/>
-                <a:sym typeface="+mn-ea"/>
-              </a:rPr>
-              <a:t>PRAGMA statement</a:t>
-            </a:r>
-            <a:endParaRPr lang="en-US" altLang="ar-EG" sz="2400" b="1" dirty="0">
-              <a:latin typeface="Ubuntu" panose="020B0504030602030204" charset="0"/>
-              <a:cs typeface="Ubuntu" panose="020B0504030602030204" charset="0"/>
-            </a:endParaRPr>
-          </a:p>
-          <a:p>
-            <a:pPr marL="0" indent="0" algn="l">
-              <a:buNone/>
-            </a:pPr>
-            <a:r>
-              <a:rPr lang="en-US" altLang="ar-EG" sz="2400" dirty="0">
-                <a:latin typeface="Ubuntu" panose="020B0504030602030204" charset="0"/>
-                <a:cs typeface="Ubuntu" panose="020B0504030602030204" charset="0"/>
-                <a:sym typeface="+mn-ea"/>
-              </a:rPr>
-              <a:t>PRAGMA table_info(table_name)</a:t>
-            </a:r>
-            <a:endParaRPr lang="en-US" altLang="ar-EG" sz="2400" dirty="0">
-              <a:latin typeface="Ubuntu" panose="020B0504030602030204" charset="0"/>
-              <a:cs typeface="Ubuntu" panose="020B0504030602030204" charset="0"/>
-            </a:endParaRPr>
-          </a:p>
-          <a:p>
-            <a:pPr algn="l"/>
-            <a:r>
-              <a:rPr lang="en-US" altLang="ar-EG" sz="2400" b="1" dirty="0">
-                <a:latin typeface="Ubuntu" panose="020B0504030602030204" charset="0"/>
-                <a:cs typeface="Ubuntu" panose="020B0504030602030204" charset="0"/>
-              </a:rPr>
-              <a:t>SELECT statement</a:t>
-            </a:r>
-            <a:endParaRPr lang="en-US" altLang="ar-EG" sz="2400" b="1" dirty="0">
-              <a:latin typeface="Ubuntu" panose="020B0504030602030204" charset="0"/>
-              <a:cs typeface="Ubuntu" panose="020B0504030602030204" charset="0"/>
-            </a:endParaRPr>
-          </a:p>
-          <a:p>
-            <a:pPr marL="0" indent="0" algn="l">
-              <a:buNone/>
-            </a:pPr>
-            <a:r>
-              <a:rPr lang="en-US" altLang="ar-EG" sz="2400" dirty="0">
-                <a:latin typeface="Ubuntu" panose="020B0504030602030204" charset="0"/>
-                <a:cs typeface="Ubuntu" panose="020B0504030602030204" charset="0"/>
-              </a:rPr>
-              <a:t>SELECT column_name FROM table_name;</a:t>
-            </a:r>
-            <a:endParaRPr lang="en-US" altLang="ar-EG" sz="2400" b="1" dirty="0">
-              <a:latin typeface="Ubuntu" panose="020B0504030602030204" charset="0"/>
-              <a:cs typeface="Ubuntu" panose="020B0504030602030204" charset="0"/>
-            </a:endParaRPr>
-          </a:p>
-          <a:p>
-            <a:pPr algn="l"/>
-            <a:r>
-              <a:rPr lang="en-US" altLang="ar-EG" sz="2400" b="1" dirty="0">
-                <a:latin typeface="Ubuntu" panose="020B0504030602030204" charset="0"/>
-                <a:cs typeface="Ubuntu" panose="020B0504030602030204" charset="0"/>
-                <a:sym typeface="+mn-ea"/>
-              </a:rPr>
-              <a:t>WHERE clause</a:t>
-            </a:r>
-            <a:endParaRPr lang="en-US" altLang="ar-EG" sz="2400" b="1" dirty="0">
-              <a:latin typeface="Ubuntu" panose="020B0504030602030204" charset="0"/>
-              <a:cs typeface="Ubuntu" panose="020B0504030602030204" charset="0"/>
-            </a:endParaRPr>
-          </a:p>
-          <a:p>
-            <a:pPr marL="0" indent="0" algn="l">
-              <a:buNone/>
-            </a:pPr>
-            <a:r>
-              <a:rPr lang="en-US" altLang="ar-EG" sz="2400" dirty="0">
-                <a:latin typeface="Ubuntu" panose="020B0504030602030204" charset="0"/>
-                <a:cs typeface="Ubuntu" panose="020B0504030602030204" charset="0"/>
-                <a:sym typeface="+mn-ea"/>
-              </a:rPr>
-              <a:t>WHERE conditions ..</a:t>
-            </a:r>
-            <a:endParaRPr lang="en-US" altLang="ar-EG" sz="2400" dirty="0">
-              <a:latin typeface="Ubuntu" panose="020B0504030602030204" charset="0"/>
-              <a:cs typeface="Ubuntu" panose="020B0504030602030204" charset="0"/>
-              <a:sym typeface="+mn-ea"/>
-            </a:endParaRPr>
-          </a:p>
-          <a:p>
-            <a:pPr algn="l"/>
-            <a:r>
-              <a:rPr lang="en-US" altLang="ar-EG" sz="2400" b="1" dirty="0">
-                <a:latin typeface="Ubuntu" panose="020B0504030602030204" charset="0"/>
-                <a:cs typeface="Ubuntu" panose="020B0504030602030204" charset="0"/>
-                <a:sym typeface="+mn-ea"/>
-              </a:rPr>
-              <a:t>JOIN cluase</a:t>
-            </a:r>
-            <a:endParaRPr lang="en-US" altLang="ar-EG" sz="2400" b="1" dirty="0">
-              <a:latin typeface="Ubuntu" panose="020B0504030602030204" charset="0"/>
-              <a:cs typeface="Ubuntu" panose="020B0504030602030204" charset="0"/>
-              <a:sym typeface="+mn-ea"/>
-            </a:endParaRPr>
-          </a:p>
-          <a:p>
-            <a:pPr marL="0" indent="0" algn="l">
-              <a:buNone/>
-            </a:pPr>
-            <a:r>
-              <a:rPr lang="en-US" altLang="ar-EG" sz="2400" dirty="0">
-                <a:latin typeface="Ubuntu" panose="020B0504030602030204" charset="0"/>
-                <a:cs typeface="Ubuntu" panose="020B0504030602030204" charset="0"/>
-              </a:rPr>
-              <a:t>JOIN Table2 ON Table1.Key1 = Table2.Key1</a:t>
-            </a:r>
-            <a:endParaRPr lang="en-US" altLang="ar-EG" sz="2400" dirty="0">
-              <a:latin typeface="Ubuntu" panose="020B0504030602030204" charset="0"/>
-              <a:cs typeface="Ubuntu" panose="020B0504030602030204" charset="0"/>
-            </a:endParaRPr>
-          </a:p>
-          <a:p>
-            <a:pPr algn="l"/>
-            <a:r>
-              <a:rPr lang="en-US" altLang="ar-EG" sz="2400" b="1" dirty="0">
-                <a:latin typeface="Ubuntu" panose="020B0504030602030204" charset="0"/>
-                <a:cs typeface="Ubuntu" panose="020B0504030602030204" charset="0"/>
-                <a:sym typeface="+mn-ea"/>
-              </a:rPr>
-              <a:t>LIMIT clause</a:t>
-            </a:r>
-            <a:endParaRPr lang="en-US" altLang="ar-EG" sz="2400" b="1" dirty="0">
-              <a:latin typeface="Ubuntu" panose="020B0504030602030204" charset="0"/>
-              <a:cs typeface="Ubuntu" panose="020B0504030602030204" charset="0"/>
-            </a:endParaRPr>
-          </a:p>
-          <a:p>
-            <a:pPr marL="0" indent="0" algn="l">
-              <a:buNone/>
-            </a:pPr>
-            <a:r>
-              <a:rPr lang="en-US" altLang="ar-EG" sz="2400" dirty="0">
-                <a:latin typeface="Ubuntu" panose="020B0504030602030204" charset="0"/>
-                <a:cs typeface="Ubuntu" panose="020B0504030602030204" charset="0"/>
-                <a:sym typeface="+mn-ea"/>
-              </a:rPr>
-              <a:t>LIMIT number</a:t>
-            </a:r>
-            <a:endParaRPr lang="en-US" altLang="ar-EG" sz="2400" dirty="0">
-              <a:latin typeface="Ubuntu" panose="020B0504030602030204" charset="0"/>
-              <a:cs typeface="Ubuntu" panose="020B0504030602030204" charset="0"/>
-            </a:endParaRPr>
-          </a:p>
-          <a:p>
-            <a:pPr marL="0" indent="0" algn="l">
-              <a:buNone/>
-            </a:pPr>
-            <a:endParaRPr lang="en-US" altLang="ar-EG" sz="2400" b="1" dirty="0">
-              <a:latin typeface="Ubuntu" panose="020B0504030602030204" charset="0"/>
-              <a:cs typeface="Ubuntu" panose="020B0504030602030204" charset="0"/>
-            </a:endParaRPr>
-          </a:p>
-          <a:p>
-            <a:pPr marL="0" indent="0" algn="l">
-              <a:buNone/>
-            </a:pPr>
-            <a:endParaRPr lang="en-US" altLang="ar-EG" sz="2400" b="1" dirty="0">
-              <a:latin typeface="Ubuntu" panose="020B0504030602030204" charset="0"/>
-              <a:cs typeface="Ubuntu" panose="020B0504030602030204" charset="0"/>
-            </a:endParaRPr>
-          </a:p>
-          <a:p>
-            <a:pPr marL="0" indent="0" algn="l">
-              <a:buNone/>
-            </a:pPr>
-            <a:endParaRPr lang="en-US" altLang="ar-EG" sz="2400" dirty="0">
-              <a:latin typeface="Ubuntu" panose="020B0504030602030204" charset="0"/>
-              <a:cs typeface="Ubuntu" panose="020B0504030602030204" charset="0"/>
-            </a:endParaRPr>
-          </a:p>
-        </p:txBody>
-      </p:sp>
-    </p:spTree>
-  </p:cSld>
-  <p:clrMapOvr>
-    <a:masterClrMapping/>
-  </p:clrMapOvr>
-  <mc:AlternateContent xmlns:mc="http://schemas.openxmlformats.org/markup-compatibility/2006">
-    <mc:Choice xmlns:p14="http://schemas.microsoft.com/office/powerpoint/2010/main" Requires="p14">
-      <p:transition spd="slow" p14:dur="1200"/>
-    </mc:Choice>
-    <mc:Fallback>
-      <p:transition spd="slow"/>
-    </mc:Fallback>
-  </mc:AlternateContent>
-</p:sld>
-</file>
-
-<file path=ppt/slides/slide13.xml><?xml version="1.0" encoding="utf-8"?>
-<p:sld xmlns:a="http://schemas.openxmlformats.org/drawingml/2006/main" xmlns:r="http://schemas.openxmlformats.org/officeDocument/2006/relationships" xmlns:p="http://schemas.openxmlformats.org/presentationml/2006/main">
-  <p:cSld>
-    <p:spTree>
-      <p:nvGrpSpPr>
-        <p:cNvPr id="1" name=""/>
-        <p:cNvGrpSpPr/>
-        <p:nvPr/>
-      </p:nvGrpSpPr>
-      <p:grpSpPr>
-        <a:xfrm>
-          <a:off x="0" y="0"/>
-          <a:ext cx="0" cy="0"/>
-          <a:chOff x="0" y="0"/>
-          <a:chExt cx="0" cy="0"/>
-        </a:xfrm>
-      </p:grpSpPr>
-      <p:sp>
-        <p:nvSpPr>
-          <p:cNvPr id="2" name="Title 1"/>
-          <p:cNvSpPr>
-            <a:spLocks noGrp="1"/>
-          </p:cNvSpPr>
-          <p:nvPr>
-            <p:ph type="title"/>
-          </p:nvPr>
-        </p:nvSpPr>
-        <p:spPr/>
-        <p:txBody>
-          <a:bodyPr/>
-          <a:lstStyle/>
-          <a:p>
-            <a:pPr algn="l"/>
-            <a:r>
-              <a:rPr lang="en-US">
-                <a:latin typeface="Ubuntu" panose="020B0504030602030204" charset="0"/>
-                <a:cs typeface="Ubuntu" panose="020B0504030602030204" charset="0"/>
-              </a:rPr>
-              <a:t>Lab</a:t>
-            </a:r>
-            <a:endParaRPr lang="en-US">
-              <a:latin typeface="Ubuntu" panose="020B0504030602030204" charset="0"/>
-              <a:cs typeface="Ubuntu" panose="020B0504030602030204" charset="0"/>
-            </a:endParaRPr>
-          </a:p>
-        </p:txBody>
-      </p:sp>
-      <p:sp>
-        <p:nvSpPr>
-          <p:cNvPr id="3" name="Content Placeholder 2"/>
-          <p:cNvSpPr>
-            <a:spLocks noGrp="1"/>
-          </p:cNvSpPr>
-          <p:nvPr>
-            <p:ph idx="1"/>
-          </p:nvPr>
-        </p:nvSpPr>
-        <p:spPr/>
-        <p:txBody>
-          <a:bodyPr/>
-          <a:lstStyle/>
-          <a:p>
-            <a:pPr marL="0" indent="0" algn="l">
-              <a:buNone/>
-            </a:pPr>
-            <a:r>
-              <a:rPr lang="en-US" altLang="ar-EG" sz="2400" dirty="0">
-                <a:latin typeface="Ubuntu" panose="020B0504030602030204" charset="0"/>
-                <a:cs typeface="Ubuntu" panose="020B0504030602030204" charset="0"/>
-              </a:rPr>
-              <a:t>Open Juypter Notebook for session 03 to cover this topics in practice:</a:t>
-            </a:r>
-            <a:endParaRPr lang="en-US" altLang="ar-EG" sz="2400" dirty="0">
-              <a:latin typeface="Ubuntu" panose="020B0504030602030204" charset="0"/>
-              <a:cs typeface="Ubuntu" panose="020B0504030602030204" charset="0"/>
-            </a:endParaRPr>
-          </a:p>
-          <a:p>
-            <a:pPr algn="l"/>
-            <a:r>
-              <a:rPr lang="en-US" altLang="ar-EG" sz="2400" dirty="0">
-                <a:latin typeface="Ubuntu" panose="020B0504030602030204" charset="0"/>
-                <a:cs typeface="Ubuntu" panose="020B0504030602030204" charset="0"/>
-              </a:rPr>
-              <a:t>Data collection from SQL database using SQLite Python.</a:t>
-            </a:r>
-            <a:endParaRPr lang="en-US" altLang="ar-EG" sz="2400" dirty="0">
-              <a:latin typeface="Ubuntu" panose="020B0504030602030204" charset="0"/>
-              <a:cs typeface="Ubuntu" panose="020B0504030602030204" charset="0"/>
-            </a:endParaRPr>
-          </a:p>
-          <a:p>
-            <a:pPr algn="l"/>
-            <a:r>
-              <a:rPr lang="en-US" altLang="ar-EG" sz="2400" dirty="0">
-                <a:latin typeface="Ubuntu" panose="020B0504030602030204" charset="0"/>
-                <a:cs typeface="Ubuntu" panose="020B0504030602030204" charset="0"/>
-              </a:rPr>
-              <a:t>Basic data exploration using pandas.</a:t>
-            </a:r>
-            <a:endParaRPr lang="en-US" altLang="ar-EG" sz="2400" dirty="0">
-              <a:latin typeface="Ubuntu" panose="020B0504030602030204" charset="0"/>
-              <a:cs typeface="Ubuntu" panose="020B0504030602030204" charset="0"/>
-            </a:endParaRPr>
-          </a:p>
-          <a:p>
-            <a:pPr algn="l"/>
-            <a:r>
-              <a:rPr lang="en-US" altLang="ar-EG" sz="2400" dirty="0">
-                <a:latin typeface="Ubuntu" panose="020B0504030602030204" charset="0"/>
-                <a:cs typeface="Ubuntu" panose="020B0504030602030204" charset="0"/>
-              </a:rPr>
-              <a:t>Basic data visualization using matplotlib.</a:t>
-            </a:r>
-            <a:endParaRPr lang="en-US" altLang="ar-EG" sz="2400" dirty="0">
-              <a:latin typeface="Ubuntu" panose="020B0504030602030204" charset="0"/>
-              <a:cs typeface="Ubuntu" panose="020B0504030602030204" charset="0"/>
-            </a:endParaRPr>
-          </a:p>
-        </p:txBody>
-      </p:sp>
-    </p:spTree>
-  </p:cSld>
-  <p:clrMapOvr>
-    <a:masterClrMapping/>
-  </p:clrMapOvr>
-  <mc:AlternateContent xmlns:mc="http://schemas.openxmlformats.org/markup-compatibility/2006">
-    <mc:Choice xmlns:p14="http://schemas.microsoft.com/office/powerpoint/2010/main" Requires="p14">
-      <p:transition spd="slow" p14:dur="1200"/>
-    </mc:Choice>
-    <mc:Fallback>
-      <p:transition spd="slow"/>
-    </mc:Fallback>
-  </mc:AlternateContent>
-</p:sld>
-</file>
-
 <file path=ppt/slides/slide14.xml><?xml version="1.0" encoding="utf-8"?>
 <p:sld xmlns:a="http://schemas.openxmlformats.org/drawingml/2006/main" xmlns:r="http://schemas.openxmlformats.org/officeDocument/2006/relationships" xmlns:p="http://schemas.openxmlformats.org/presentationml/2006/main">
   <p:cSld>
@@ -5404,7 +5446,7 @@
                 <a:latin typeface="Ubuntu" panose="020B0504030602030204" charset="0"/>
                 <a:cs typeface="Ubuntu" panose="020B0504030602030204" charset="0"/>
               </a:rPr>
-              <a:t>References</a:t>
+              <a:t>SQL Statements</a:t>
             </a:r>
             <a:endParaRPr lang="en-US">
               <a:latin typeface="Ubuntu" panose="020B0504030602030204" charset="0"/>
@@ -5430,17 +5472,583 @@
           <a:p>
             <a:pPr algn="l"/>
             <a:r>
+              <a:rPr lang="en-US" altLang="ar-EG" sz="2400" b="1" dirty="0">
+                <a:latin typeface="Ubuntu" panose="020B0504030602030204" charset="0"/>
+                <a:cs typeface="Ubuntu" panose="020B0504030602030204" charset="0"/>
+                <a:sym typeface="+mn-ea"/>
+              </a:rPr>
+              <a:t>PRAGMA statement</a:t>
+            </a:r>
+            <a:endParaRPr lang="en-US" altLang="ar-EG" sz="2400" b="1" dirty="0">
+              <a:latin typeface="Ubuntu" panose="020B0504030602030204" charset="0"/>
+              <a:cs typeface="Ubuntu" panose="020B0504030602030204" charset="0"/>
+            </a:endParaRPr>
+          </a:p>
+          <a:p>
+            <a:pPr marL="0" indent="0" algn="l">
+              <a:buNone/>
+            </a:pPr>
+            <a:r>
+              <a:rPr lang="en-US" altLang="ar-EG" sz="2400" dirty="0">
+                <a:latin typeface="Ubuntu" panose="020B0504030602030204" charset="0"/>
+                <a:cs typeface="Ubuntu" panose="020B0504030602030204" charset="0"/>
+                <a:sym typeface="+mn-ea"/>
+              </a:rPr>
+              <a:t>PRAGMA table_info(table_name)</a:t>
+            </a:r>
+            <a:endParaRPr lang="en-US" altLang="ar-EG" sz="2400" dirty="0">
+              <a:latin typeface="Ubuntu" panose="020B0504030602030204" charset="0"/>
+              <a:cs typeface="Ubuntu" panose="020B0504030602030204" charset="0"/>
+            </a:endParaRPr>
+          </a:p>
+          <a:p>
+            <a:pPr algn="l"/>
+            <a:r>
+              <a:rPr lang="en-US" altLang="ar-EG" sz="2400" b="1" dirty="0">
+                <a:latin typeface="Ubuntu" panose="020B0504030602030204" charset="0"/>
+                <a:cs typeface="Ubuntu" panose="020B0504030602030204" charset="0"/>
+              </a:rPr>
+              <a:t>SELECT statement</a:t>
+            </a:r>
+            <a:endParaRPr lang="en-US" altLang="ar-EG" sz="2400" b="1" dirty="0">
+              <a:latin typeface="Ubuntu" panose="020B0504030602030204" charset="0"/>
+              <a:cs typeface="Ubuntu" panose="020B0504030602030204" charset="0"/>
+            </a:endParaRPr>
+          </a:p>
+          <a:p>
+            <a:pPr marL="0" indent="0" algn="l">
+              <a:buNone/>
+            </a:pPr>
+            <a:r>
+              <a:rPr lang="en-US" altLang="ar-EG" sz="2400" dirty="0">
+                <a:latin typeface="Ubuntu" panose="020B0504030602030204" charset="0"/>
+                <a:cs typeface="Ubuntu" panose="020B0504030602030204" charset="0"/>
+              </a:rPr>
+              <a:t>SELECT column_name FROM table_name;</a:t>
+            </a:r>
+            <a:endParaRPr lang="en-US" altLang="ar-EG" sz="2400" b="1" dirty="0">
+              <a:latin typeface="Ubuntu" panose="020B0504030602030204" charset="0"/>
+              <a:cs typeface="Ubuntu" panose="020B0504030602030204" charset="0"/>
+            </a:endParaRPr>
+          </a:p>
+          <a:p>
+            <a:pPr algn="l"/>
+            <a:r>
+              <a:rPr lang="en-US" altLang="ar-EG" sz="2400" b="1" dirty="0">
+                <a:latin typeface="Ubuntu" panose="020B0504030602030204" charset="0"/>
+                <a:cs typeface="Ubuntu" panose="020B0504030602030204" charset="0"/>
+                <a:sym typeface="+mn-ea"/>
+              </a:rPr>
+              <a:t>WHERE clause</a:t>
+            </a:r>
+            <a:endParaRPr lang="en-US" altLang="ar-EG" sz="2400" b="1" dirty="0">
+              <a:latin typeface="Ubuntu" panose="020B0504030602030204" charset="0"/>
+              <a:cs typeface="Ubuntu" panose="020B0504030602030204" charset="0"/>
+            </a:endParaRPr>
+          </a:p>
+          <a:p>
+            <a:pPr marL="0" indent="0" algn="l">
+              <a:buNone/>
+            </a:pPr>
+            <a:r>
+              <a:rPr lang="en-US" altLang="ar-EG" sz="2400" dirty="0">
+                <a:latin typeface="Ubuntu" panose="020B0504030602030204" charset="0"/>
+                <a:cs typeface="Ubuntu" panose="020B0504030602030204" charset="0"/>
+                <a:sym typeface="+mn-ea"/>
+              </a:rPr>
+              <a:t>WHERE conditions ..</a:t>
+            </a:r>
+            <a:endParaRPr lang="en-US" altLang="ar-EG" sz="2400" dirty="0">
+              <a:latin typeface="Ubuntu" panose="020B0504030602030204" charset="0"/>
+              <a:cs typeface="Ubuntu" panose="020B0504030602030204" charset="0"/>
+              <a:sym typeface="+mn-ea"/>
+            </a:endParaRPr>
+          </a:p>
+          <a:p>
+            <a:pPr algn="l"/>
+            <a:r>
+              <a:rPr lang="en-US" altLang="ar-EG" sz="2400" b="1" dirty="0">
+                <a:latin typeface="Ubuntu" panose="020B0504030602030204" charset="0"/>
+                <a:cs typeface="Ubuntu" panose="020B0504030602030204" charset="0"/>
+                <a:sym typeface="+mn-ea"/>
+              </a:rPr>
+              <a:t>JOIN cluase</a:t>
+            </a:r>
+            <a:endParaRPr lang="en-US" altLang="ar-EG" sz="2400" b="1" dirty="0">
+              <a:latin typeface="Ubuntu" panose="020B0504030602030204" charset="0"/>
+              <a:cs typeface="Ubuntu" panose="020B0504030602030204" charset="0"/>
+              <a:sym typeface="+mn-ea"/>
+            </a:endParaRPr>
+          </a:p>
+          <a:p>
+            <a:pPr marL="0" indent="0" algn="l">
+              <a:buNone/>
+            </a:pPr>
+            <a:r>
+              <a:rPr lang="en-US" altLang="ar-EG" sz="2400" dirty="0">
+                <a:latin typeface="Ubuntu" panose="020B0504030602030204" charset="0"/>
+                <a:cs typeface="Ubuntu" panose="020B0504030602030204" charset="0"/>
+              </a:rPr>
+              <a:t>JOIN Table2 ON Table1.Key1 = Table2.Key1</a:t>
+            </a:r>
+            <a:endParaRPr lang="en-US" altLang="ar-EG" sz="2400" dirty="0">
+              <a:latin typeface="Ubuntu" panose="020B0504030602030204" charset="0"/>
+              <a:cs typeface="Ubuntu" panose="020B0504030602030204" charset="0"/>
+            </a:endParaRPr>
+          </a:p>
+          <a:p>
+            <a:pPr algn="l"/>
+            <a:r>
+              <a:rPr lang="en-US" altLang="ar-EG" sz="2400" b="1" dirty="0">
+                <a:latin typeface="Ubuntu" panose="020B0504030602030204" charset="0"/>
+                <a:cs typeface="Ubuntu" panose="020B0504030602030204" charset="0"/>
+                <a:sym typeface="+mn-ea"/>
+              </a:rPr>
+              <a:t>LIMIT clause</a:t>
+            </a:r>
+            <a:endParaRPr lang="en-US" altLang="ar-EG" sz="2400" b="1" dirty="0">
+              <a:latin typeface="Ubuntu" panose="020B0504030602030204" charset="0"/>
+              <a:cs typeface="Ubuntu" panose="020B0504030602030204" charset="0"/>
+            </a:endParaRPr>
+          </a:p>
+          <a:p>
+            <a:pPr marL="0" indent="0" algn="l">
+              <a:buNone/>
+            </a:pPr>
+            <a:r>
+              <a:rPr lang="en-US" altLang="ar-EG" sz="2400" dirty="0">
+                <a:latin typeface="Ubuntu" panose="020B0504030602030204" charset="0"/>
+                <a:cs typeface="Ubuntu" panose="020B0504030602030204" charset="0"/>
+                <a:sym typeface="+mn-ea"/>
+              </a:rPr>
+              <a:t>LIMIT number</a:t>
+            </a:r>
+            <a:endParaRPr lang="en-US" altLang="ar-EG" sz="2400" dirty="0">
+              <a:latin typeface="Ubuntu" panose="020B0504030602030204" charset="0"/>
+              <a:cs typeface="Ubuntu" panose="020B0504030602030204" charset="0"/>
+            </a:endParaRPr>
+          </a:p>
+          <a:p>
+            <a:pPr marL="0" indent="0" algn="l">
+              <a:buNone/>
+            </a:pPr>
+            <a:endParaRPr lang="en-US" altLang="ar-EG" sz="2400" b="1" dirty="0">
+              <a:latin typeface="Ubuntu" panose="020B0504030602030204" charset="0"/>
+              <a:cs typeface="Ubuntu" panose="020B0504030602030204" charset="0"/>
+            </a:endParaRPr>
+          </a:p>
+          <a:p>
+            <a:pPr marL="0" indent="0" algn="l">
+              <a:buNone/>
+            </a:pPr>
+            <a:endParaRPr lang="en-US" altLang="ar-EG" sz="2400" b="1" dirty="0">
+              <a:latin typeface="Ubuntu" panose="020B0504030602030204" charset="0"/>
+              <a:cs typeface="Ubuntu" panose="020B0504030602030204" charset="0"/>
+            </a:endParaRPr>
+          </a:p>
+          <a:p>
+            <a:pPr marL="0" indent="0" algn="l">
+              <a:buNone/>
+            </a:pPr>
+            <a:endParaRPr lang="en-US" altLang="ar-EG" sz="2400" dirty="0">
+              <a:latin typeface="Ubuntu" panose="020B0504030602030204" charset="0"/>
+              <a:cs typeface="Ubuntu" panose="020B0504030602030204" charset="0"/>
+            </a:endParaRPr>
+          </a:p>
+        </p:txBody>
+      </p:sp>
+    </p:spTree>
+  </p:cSld>
+  <p:clrMapOvr>
+    <a:masterClrMapping/>
+  </p:clrMapOvr>
+  <mc:AlternateContent xmlns:mc="http://schemas.openxmlformats.org/markup-compatibility/2006">
+    <mc:Choice xmlns:p14="http://schemas.microsoft.com/office/powerpoint/2010/main" Requires="p14">
+      <p:transition spd="slow" p14:dur="1200"/>
+    </mc:Choice>
+    <mc:Fallback>
+      <p:transition spd="slow"/>
+    </mc:Fallback>
+  </mc:AlternateContent>
+</p:sld>
+</file>
+
+<file path=ppt/slides/slide15.xml><?xml version="1.0" encoding="utf-8"?>
+<p:sld xmlns:a="http://schemas.openxmlformats.org/drawingml/2006/main" xmlns:r="http://schemas.openxmlformats.org/officeDocument/2006/relationships" xmlns:p="http://schemas.openxmlformats.org/presentationml/2006/main">
+  <p:cSld>
+    <p:spTree>
+      <p:nvGrpSpPr>
+        <p:cNvPr id="1" name=""/>
+        <p:cNvGrpSpPr/>
+        <p:nvPr/>
+      </p:nvGrpSpPr>
+      <p:grpSpPr>
+        <a:xfrm>
+          <a:off x="0" y="0"/>
+          <a:ext cx="0" cy="0"/>
+          <a:chOff x="0" y="0"/>
+          <a:chExt cx="0" cy="0"/>
+        </a:xfrm>
+      </p:grpSpPr>
+      <p:sp>
+        <p:nvSpPr>
+          <p:cNvPr id="2" name="Title 1"/>
+          <p:cNvSpPr>
+            <a:spLocks noGrp="1"/>
+          </p:cNvSpPr>
+          <p:nvPr>
+            <p:ph type="title"/>
+          </p:nvPr>
+        </p:nvSpPr>
+        <p:spPr/>
+        <p:txBody>
+          <a:bodyPr/>
+          <a:lstStyle/>
+          <a:p>
+            <a:pPr algn="l"/>
+            <a:r>
+              <a:rPr lang="en-US">
+                <a:latin typeface="Ubuntu" panose="020B0504030602030204" charset="0"/>
+                <a:cs typeface="Ubuntu" panose="020B0504030602030204" charset="0"/>
+              </a:rPr>
+              <a:t>Outline</a:t>
+            </a:r>
+            <a:endParaRPr lang="en-US">
+              <a:latin typeface="Ubuntu" panose="020B0504030602030204" charset="0"/>
+              <a:cs typeface="Ubuntu" panose="020B0504030602030204" charset="0"/>
+            </a:endParaRPr>
+          </a:p>
+        </p:txBody>
+      </p:sp>
+      <p:sp>
+        <p:nvSpPr>
+          <p:cNvPr id="3" name="Content Placeholder 2"/>
+          <p:cNvSpPr>
+            <a:spLocks noGrp="1"/>
+          </p:cNvSpPr>
+          <p:nvPr>
+            <p:ph idx="1"/>
+          </p:nvPr>
+        </p:nvSpPr>
+        <p:spPr/>
+        <p:txBody>
+          <a:bodyPr/>
+          <a:lstStyle/>
+          <a:p>
+            <a:pPr marL="457200" indent="-457200" algn="l">
+              <a:buFont typeface="+mj-lt"/>
+              <a:buAutoNum type="arabicPeriod"/>
+            </a:pPr>
+            <a:r>
+              <a:rPr lang="en-US" altLang="ar-EG" sz="2400" dirty="0">
+                <a:solidFill>
+                  <a:schemeClr val="bg2">
+                    <a:lumMod val="60000"/>
+                    <a:lumOff val="40000"/>
+                  </a:schemeClr>
+                </a:solidFill>
+                <a:latin typeface="Ubuntu" panose="020B0504030602030204" charset="0"/>
+                <a:cs typeface="Ubuntu" panose="020B0504030602030204" charset="0"/>
+              </a:rPr>
+              <a:t>Tools</a:t>
+            </a:r>
+            <a:endParaRPr lang="en-US" altLang="ar-EG" sz="2400" dirty="0">
+              <a:solidFill>
+                <a:schemeClr val="bg2">
+                  <a:lumMod val="60000"/>
+                  <a:lumOff val="40000"/>
+                </a:schemeClr>
+              </a:solidFill>
+              <a:latin typeface="Ubuntu" panose="020B0504030602030204" charset="0"/>
+              <a:cs typeface="Ubuntu" panose="020B0504030602030204" charset="0"/>
+            </a:endParaRPr>
+          </a:p>
+          <a:p>
+            <a:pPr marL="457200" indent="-457200" algn="l">
+              <a:buFont typeface="+mj-lt"/>
+              <a:buAutoNum type="arabicPeriod"/>
+            </a:pPr>
+            <a:r>
+              <a:rPr lang="en-US" altLang="ar-EG" sz="2400" dirty="0">
+                <a:solidFill>
+                  <a:schemeClr val="bg2">
+                    <a:lumMod val="60000"/>
+                    <a:lumOff val="40000"/>
+                  </a:schemeClr>
+                </a:solidFill>
+                <a:latin typeface="Ubuntu" panose="020B0504030602030204" charset="0"/>
+                <a:cs typeface="Ubuntu" panose="020B0504030602030204" charset="0"/>
+              </a:rPr>
+              <a:t>SQL Basics</a:t>
+            </a:r>
+            <a:endParaRPr lang="en-US" altLang="ar-EG" sz="2400" dirty="0">
+              <a:solidFill>
+                <a:schemeClr val="bg2">
+                  <a:lumMod val="60000"/>
+                  <a:lumOff val="40000"/>
+                </a:schemeClr>
+              </a:solidFill>
+              <a:latin typeface="Ubuntu" panose="020B0504030602030204" charset="0"/>
+              <a:cs typeface="Ubuntu" panose="020B0504030602030204" charset="0"/>
+            </a:endParaRPr>
+          </a:p>
+          <a:p>
+            <a:pPr marL="457200" indent="-457200" algn="l">
+              <a:buFont typeface="+mj-lt"/>
+              <a:buAutoNum type="arabicPeriod"/>
+            </a:pPr>
+            <a:r>
+              <a:rPr lang="en-US" altLang="ar-EG" sz="2400" dirty="0">
+                <a:latin typeface="Ubuntu" panose="020B0504030602030204" charset="0"/>
+                <a:cs typeface="Ubuntu" panose="020B0504030602030204" charset="0"/>
+              </a:rPr>
+              <a:t>Lab</a:t>
+            </a:r>
+            <a:endParaRPr lang="en-US" altLang="ar-EG" sz="2400" dirty="0">
+              <a:latin typeface="Ubuntu" panose="020B0504030602030204" charset="0"/>
+              <a:cs typeface="Ubuntu" panose="020B0504030602030204" charset="0"/>
+            </a:endParaRPr>
+          </a:p>
+          <a:p>
+            <a:pPr marL="457200" indent="-457200" algn="l">
+              <a:buFont typeface="+mj-lt"/>
+              <a:buAutoNum type="arabicPeriod"/>
+            </a:pPr>
+            <a:endParaRPr lang="en-US" altLang="ar-EG" sz="2400" dirty="0">
+              <a:latin typeface="Ubuntu" panose="020B0504030602030204" charset="0"/>
+              <a:cs typeface="Ubuntu" panose="020B0504030602030204" charset="0"/>
+            </a:endParaRPr>
+          </a:p>
+        </p:txBody>
+      </p:sp>
+    </p:spTree>
+  </p:cSld>
+  <p:clrMapOvr>
+    <a:masterClrMapping/>
+  </p:clrMapOvr>
+  <mc:AlternateContent xmlns:mc="http://schemas.openxmlformats.org/markup-compatibility/2006">
+    <mc:Choice xmlns:p14="http://schemas.microsoft.com/office/powerpoint/2010/main" Requires="p14">
+      <p:transition spd="slow" p14:dur="1200"/>
+    </mc:Choice>
+    <mc:Fallback>
+      <p:transition spd="slow"/>
+    </mc:Fallback>
+  </mc:AlternateContent>
+</p:sld>
+</file>
+
+<file path=ppt/slides/slide16.xml><?xml version="1.0" encoding="utf-8"?>
+<p:sld xmlns:a="http://schemas.openxmlformats.org/drawingml/2006/main" xmlns:r="http://schemas.openxmlformats.org/officeDocument/2006/relationships" xmlns:p="http://schemas.openxmlformats.org/presentationml/2006/main">
+  <p:cSld>
+    <p:spTree>
+      <p:nvGrpSpPr>
+        <p:cNvPr id="1" name=""/>
+        <p:cNvGrpSpPr/>
+        <p:nvPr/>
+      </p:nvGrpSpPr>
+      <p:grpSpPr>
+        <a:xfrm>
+          <a:off x="0" y="0"/>
+          <a:ext cx="0" cy="0"/>
+          <a:chOff x="0" y="0"/>
+          <a:chExt cx="0" cy="0"/>
+        </a:xfrm>
+      </p:grpSpPr>
+      <p:sp>
+        <p:nvSpPr>
+          <p:cNvPr id="2" name="Title 1"/>
+          <p:cNvSpPr>
+            <a:spLocks noGrp="1"/>
+          </p:cNvSpPr>
+          <p:nvPr>
+            <p:ph type="title"/>
+          </p:nvPr>
+        </p:nvSpPr>
+        <p:spPr/>
+        <p:txBody>
+          <a:bodyPr/>
+          <a:lstStyle/>
+          <a:p>
+            <a:pPr algn="l"/>
+            <a:r>
+              <a:rPr lang="en-US">
+                <a:latin typeface="Ubuntu" panose="020B0504030602030204" charset="0"/>
+                <a:cs typeface="Ubuntu" panose="020B0504030602030204" charset="0"/>
+              </a:rPr>
+              <a:t>Lab</a:t>
+            </a:r>
+            <a:endParaRPr lang="en-US">
+              <a:latin typeface="Ubuntu" panose="020B0504030602030204" charset="0"/>
+              <a:cs typeface="Ubuntu" panose="020B0504030602030204" charset="0"/>
+            </a:endParaRPr>
+          </a:p>
+        </p:txBody>
+      </p:sp>
+      <p:sp>
+        <p:nvSpPr>
+          <p:cNvPr id="3" name="Content Placeholder 2"/>
+          <p:cNvSpPr>
+            <a:spLocks noGrp="1"/>
+          </p:cNvSpPr>
+          <p:nvPr>
+            <p:ph idx="1"/>
+          </p:nvPr>
+        </p:nvSpPr>
+        <p:spPr/>
+        <p:txBody>
+          <a:bodyPr/>
+          <a:lstStyle/>
+          <a:p>
+            <a:pPr marL="0" indent="0" algn="l">
+              <a:buNone/>
+            </a:pPr>
+            <a:r>
+              <a:rPr lang="en-US" altLang="ar-EG" sz="2400" dirty="0">
+                <a:latin typeface="Ubuntu" panose="020B0504030602030204" charset="0"/>
+                <a:cs typeface="Ubuntu" panose="020B0504030602030204" charset="0"/>
+              </a:rPr>
+              <a:t>Open Juypter Notebook for session 03 to cover this topics in practice:</a:t>
+            </a:r>
+            <a:endParaRPr lang="en-US" altLang="ar-EG" sz="2400" dirty="0">
+              <a:latin typeface="Ubuntu" panose="020B0504030602030204" charset="0"/>
+              <a:cs typeface="Ubuntu" panose="020B0504030602030204" charset="0"/>
+            </a:endParaRPr>
+          </a:p>
+          <a:p>
+            <a:pPr algn="l"/>
+            <a:r>
+              <a:rPr lang="en-US" altLang="ar-EG" sz="2400" dirty="0">
+                <a:latin typeface="Ubuntu" panose="020B0504030602030204" charset="0"/>
+                <a:cs typeface="Ubuntu" panose="020B0504030602030204" charset="0"/>
+              </a:rPr>
+              <a:t>Data collection from SQL database using SQLite Python.</a:t>
+            </a:r>
+            <a:endParaRPr lang="en-US" altLang="ar-EG" sz="2400" dirty="0">
+              <a:latin typeface="Ubuntu" panose="020B0504030602030204" charset="0"/>
+              <a:cs typeface="Ubuntu" panose="020B0504030602030204" charset="0"/>
+            </a:endParaRPr>
+          </a:p>
+          <a:p>
+            <a:pPr algn="l"/>
+            <a:r>
+              <a:rPr lang="en-US" altLang="ar-EG" sz="2400" dirty="0">
+                <a:latin typeface="Ubuntu" panose="020B0504030602030204" charset="0"/>
+                <a:cs typeface="Ubuntu" panose="020B0504030602030204" charset="0"/>
+              </a:rPr>
+              <a:t>Basic data exploration using pandas.</a:t>
+            </a:r>
+            <a:endParaRPr lang="en-US" altLang="ar-EG" sz="2400" dirty="0">
+              <a:latin typeface="Ubuntu" panose="020B0504030602030204" charset="0"/>
+              <a:cs typeface="Ubuntu" panose="020B0504030602030204" charset="0"/>
+            </a:endParaRPr>
+          </a:p>
+          <a:p>
+            <a:pPr algn="l"/>
+            <a:r>
+              <a:rPr lang="en-US" altLang="ar-EG" sz="2400" dirty="0">
+                <a:latin typeface="Ubuntu" panose="020B0504030602030204" charset="0"/>
+                <a:cs typeface="Ubuntu" panose="020B0504030602030204" charset="0"/>
+              </a:rPr>
+              <a:t>Basic data visualization using matplotlib.</a:t>
+            </a:r>
+            <a:endParaRPr lang="en-US" altLang="ar-EG" sz="2400" dirty="0">
+              <a:latin typeface="Ubuntu" panose="020B0504030602030204" charset="0"/>
+              <a:cs typeface="Ubuntu" panose="020B0504030602030204" charset="0"/>
+            </a:endParaRPr>
+          </a:p>
+        </p:txBody>
+      </p:sp>
+    </p:spTree>
+  </p:cSld>
+  <p:clrMapOvr>
+    <a:masterClrMapping/>
+  </p:clrMapOvr>
+  <mc:AlternateContent xmlns:mc="http://schemas.openxmlformats.org/markup-compatibility/2006">
+    <mc:Choice xmlns:p14="http://schemas.microsoft.com/office/powerpoint/2010/main" Requires="p14">
+      <p:transition spd="slow" p14:dur="1200"/>
+    </mc:Choice>
+    <mc:Fallback>
+      <p:transition spd="slow"/>
+    </mc:Fallback>
+  </mc:AlternateContent>
+</p:sld>
+</file>
+
+<file path=ppt/slides/slide17.xml><?xml version="1.0" encoding="utf-8"?>
+<p:sld xmlns:a="http://schemas.openxmlformats.org/drawingml/2006/main" xmlns:r="http://schemas.openxmlformats.org/officeDocument/2006/relationships" xmlns:p="http://schemas.openxmlformats.org/presentationml/2006/main">
+  <p:cSld>
+    <p:spTree>
+      <p:nvGrpSpPr>
+        <p:cNvPr id="1" name=""/>
+        <p:cNvGrpSpPr/>
+        <p:nvPr/>
+      </p:nvGrpSpPr>
+      <p:grpSpPr>
+        <a:xfrm>
+          <a:off x="0" y="0"/>
+          <a:ext cx="0" cy="0"/>
+          <a:chOff x="0" y="0"/>
+          <a:chExt cx="0" cy="0"/>
+        </a:xfrm>
+      </p:grpSpPr>
+      <p:sp>
+        <p:nvSpPr>
+          <p:cNvPr id="2" name="Title 1"/>
+          <p:cNvSpPr>
+            <a:spLocks noGrp="1"/>
+          </p:cNvSpPr>
+          <p:nvPr>
+            <p:ph type="title"/>
+          </p:nvPr>
+        </p:nvSpPr>
+        <p:spPr/>
+        <p:txBody>
+          <a:bodyPr/>
+          <a:lstStyle/>
+          <a:p>
+            <a:pPr algn="l"/>
+            <a:r>
+              <a:rPr lang="en-US">
+                <a:latin typeface="Ubuntu" panose="020B0504030602030204" charset="0"/>
+                <a:cs typeface="Ubuntu" panose="020B0504030602030204" charset="0"/>
+              </a:rPr>
+              <a:t>References</a:t>
+            </a:r>
+            <a:endParaRPr lang="en-US">
+              <a:latin typeface="Ubuntu" panose="020B0504030602030204" charset="0"/>
+              <a:cs typeface="Ubuntu" panose="020B0504030602030204" charset="0"/>
+            </a:endParaRPr>
+          </a:p>
+        </p:txBody>
+      </p:sp>
+      <p:sp>
+        <p:nvSpPr>
+          <p:cNvPr id="3" name="Content Placeholder 2"/>
+          <p:cNvSpPr>
+            <a:spLocks noGrp="1"/>
+          </p:cNvSpPr>
+          <p:nvPr>
+            <p:ph idx="1"/>
+          </p:nvPr>
+        </p:nvSpPr>
+        <p:spPr/>
+        <p:txBody>
+          <a:bodyPr/>
+          <a:lstStyle/>
+          <a:p>
+            <a:pPr algn="l"/>
+            <a:r>
               <a:rPr lang="en-US" sz="2400" dirty="0">
                 <a:latin typeface="Ubuntu" panose="020B0504030602030204" charset="0"/>
                 <a:cs typeface="Ubuntu" panose="020B0504030602030204" charset="0"/>
-                <a:hlinkClick r:id="rId1" tooltip="" action="ppaction://hlinkfile"/>
+                <a:hlinkClick r:id="rId1" action="ppaction://hlinkfile"/>
               </a:rPr>
               <a:t>https://www.simplilearn.com/tutorials/sql-tutorial/what-is-sql</a:t>
             </a:r>
             <a:endParaRPr lang="en-US" sz="2400" dirty="0">
               <a:latin typeface="Ubuntu" panose="020B0504030602030204" charset="0"/>
               <a:cs typeface="Ubuntu" panose="020B0504030602030204" charset="0"/>
-              <a:hlinkClick r:id="rId1" tooltip="" action="ppaction://hlinkfile"/>
+              <a:hlinkClick r:id="rId1" action="ppaction://hlinkfile"/>
             </a:endParaRPr>
           </a:p>
           <a:p>
@@ -5449,14 +6057,14 @@
               <a:rPr lang="en-US" sz="2400" dirty="0">
                 <a:latin typeface="Ubuntu" panose="020B0504030602030204" charset="0"/>
                 <a:cs typeface="Ubuntu" panose="020B0504030602030204" charset="0"/>
-                <a:hlinkClick r:id="rId1" tooltip="" action="ppaction://hlinkfile"/>
+                <a:hlinkClick r:id="rId1" action="ppaction://hlinkfile"/>
               </a:rPr>
               <a:t>https://www.quora.com/What-is-the-difference-between-DBMS-DBS-and-DB</a:t>
             </a:r>
             <a:endParaRPr lang="en-US" sz="2400" dirty="0">
               <a:latin typeface="Ubuntu" panose="020B0504030602030204" charset="0"/>
               <a:cs typeface="Ubuntu" panose="020B0504030602030204" charset="0"/>
-              <a:hlinkClick r:id="rId1" tooltip="" action="ppaction://hlinkfile"/>
+              <a:hlinkClick r:id="rId1" action="ppaction://hlinkfile"/>
             </a:endParaRPr>
           </a:p>
           <a:p>
@@ -5476,7 +6084,7 @@
 </p:sld>
 </file>
 
-<file path=ppt/slides/slide15.xml><?xml version="1.0" encoding="utf-8"?>
+<file path=ppt/slides/slide18.xml><?xml version="1.0" encoding="utf-8"?>
 <p:sld xmlns:a="http://schemas.openxmlformats.org/drawingml/2006/main" xmlns:r="http://schemas.openxmlformats.org/officeDocument/2006/relationships" xmlns:p="http://schemas.openxmlformats.org/presentationml/2006/main">
   <p:cSld>
     <p:spTree>
@@ -5737,6 +6345,176 @@
 </file>
 
 <file path=ppt/slides/slide3.xml><?xml version="1.0" encoding="utf-8"?>
+<p:sld xmlns:a="http://schemas.openxmlformats.org/drawingml/2006/main" xmlns:r="http://schemas.openxmlformats.org/officeDocument/2006/relationships" xmlns:p="http://schemas.openxmlformats.org/presentationml/2006/main">
+  <p:cSld>
+    <p:spTree>
+      <p:nvGrpSpPr>
+        <p:cNvPr id="1" name=""/>
+        <p:cNvGrpSpPr/>
+        <p:nvPr/>
+      </p:nvGrpSpPr>
+      <p:grpSpPr>
+        <a:xfrm>
+          <a:off x="0" y="0"/>
+          <a:ext cx="0" cy="0"/>
+          <a:chOff x="0" y="0"/>
+          <a:chExt cx="0" cy="0"/>
+        </a:xfrm>
+      </p:grpSpPr>
+      <p:sp>
+        <p:nvSpPr>
+          <p:cNvPr id="2" name="Title 1"/>
+          <p:cNvSpPr>
+            <a:spLocks noGrp="1"/>
+          </p:cNvSpPr>
+          <p:nvPr>
+            <p:ph type="title"/>
+          </p:nvPr>
+        </p:nvSpPr>
+        <p:spPr/>
+        <p:txBody>
+          <a:bodyPr/>
+          <a:lstStyle/>
+          <a:p>
+            <a:pPr algn="l"/>
+            <a:r>
+              <a:rPr lang="en-US">
+                <a:latin typeface="Ubuntu" panose="020B0504030602030204" charset="0"/>
+                <a:cs typeface="Ubuntu" panose="020B0504030602030204" charset="0"/>
+              </a:rPr>
+              <a:t>Outline</a:t>
+            </a:r>
+            <a:endParaRPr lang="en-US">
+              <a:latin typeface="Ubuntu" panose="020B0504030602030204" charset="0"/>
+              <a:cs typeface="Ubuntu" panose="020B0504030602030204" charset="0"/>
+            </a:endParaRPr>
+          </a:p>
+        </p:txBody>
+      </p:sp>
+      <p:sp>
+        <p:nvSpPr>
+          <p:cNvPr id="3" name="Content Placeholder 2"/>
+          <p:cNvSpPr>
+            <a:spLocks noGrp="1"/>
+          </p:cNvSpPr>
+          <p:nvPr>
+            <p:ph idx="1"/>
+          </p:nvPr>
+        </p:nvSpPr>
+        <p:spPr/>
+        <p:txBody>
+          <a:bodyPr/>
+          <a:lstStyle/>
+          <a:p>
+            <a:pPr marL="457200" indent="-457200" algn="l">
+              <a:buFont typeface="+mj-lt"/>
+              <a:buAutoNum type="arabicPeriod"/>
+            </a:pPr>
+            <a:r>
+              <a:rPr lang="en-US" altLang="ar-EG" sz="2400" dirty="0">
+                <a:latin typeface="Ubuntu" panose="020B0504030602030204" charset="0"/>
+                <a:cs typeface="Ubuntu" panose="020B0504030602030204" charset="0"/>
+              </a:rPr>
+              <a:t>Tools</a:t>
+            </a:r>
+            <a:endParaRPr lang="en-US" altLang="ar-EG" sz="2400" dirty="0">
+              <a:latin typeface="Ubuntu" panose="020B0504030602030204" charset="0"/>
+              <a:cs typeface="Ubuntu" panose="020B0504030602030204" charset="0"/>
+            </a:endParaRPr>
+          </a:p>
+          <a:p>
+            <a:pPr marL="457200" indent="-457200" algn="l">
+              <a:buFont typeface="+mj-lt"/>
+              <a:buAutoNum type="arabicPeriod"/>
+            </a:pPr>
+            <a:r>
+              <a:rPr lang="en-US" altLang="ar-EG" sz="2400" dirty="0">
+                <a:solidFill>
+                  <a:schemeClr val="bg2">
+                    <a:lumMod val="60000"/>
+                    <a:lumOff val="40000"/>
+                  </a:schemeClr>
+                </a:solidFill>
+                <a:latin typeface="Ubuntu" panose="020B0504030602030204" charset="0"/>
+                <a:cs typeface="Ubuntu" panose="020B0504030602030204" charset="0"/>
+              </a:rPr>
+              <a:t>SQL Basics</a:t>
+            </a:r>
+            <a:endParaRPr lang="en-US" altLang="ar-EG" sz="2400" dirty="0">
+              <a:solidFill>
+                <a:schemeClr val="bg2">
+                  <a:lumMod val="60000"/>
+                  <a:lumOff val="40000"/>
+                </a:schemeClr>
+              </a:solidFill>
+              <a:latin typeface="Ubuntu" panose="020B0504030602030204" charset="0"/>
+              <a:cs typeface="Ubuntu" panose="020B0504030602030204" charset="0"/>
+            </a:endParaRPr>
+          </a:p>
+          <a:p>
+            <a:pPr marL="457200" indent="-457200" algn="l">
+              <a:buFont typeface="+mj-lt"/>
+              <a:buAutoNum type="arabicPeriod"/>
+            </a:pPr>
+            <a:r>
+              <a:rPr lang="en-US" altLang="ar-EG" sz="2400" dirty="0">
+                <a:solidFill>
+                  <a:schemeClr val="bg2">
+                    <a:lumMod val="60000"/>
+                    <a:lumOff val="40000"/>
+                  </a:schemeClr>
+                </a:solidFill>
+                <a:latin typeface="Ubuntu" panose="020B0504030602030204" charset="0"/>
+                <a:cs typeface="Ubuntu" panose="020B0504030602030204" charset="0"/>
+              </a:rPr>
+              <a:t>Lab</a:t>
+            </a:r>
+            <a:endParaRPr lang="en-US" altLang="ar-EG" sz="2400" dirty="0">
+              <a:solidFill>
+                <a:schemeClr val="bg2">
+                  <a:lumMod val="60000"/>
+                  <a:lumOff val="40000"/>
+                </a:schemeClr>
+              </a:solidFill>
+              <a:latin typeface="Ubuntu" panose="020B0504030602030204" charset="0"/>
+              <a:cs typeface="Ubuntu" panose="020B0504030602030204" charset="0"/>
+            </a:endParaRPr>
+          </a:p>
+          <a:p>
+            <a:pPr marL="457200" indent="-457200" algn="l">
+              <a:buFont typeface="+mj-lt"/>
+              <a:buAutoNum type="arabicPeriod"/>
+            </a:pPr>
+            <a:endParaRPr lang="en-US" altLang="ar-EG" sz="2400" dirty="0">
+              <a:solidFill>
+                <a:schemeClr val="bg2">
+                  <a:lumMod val="60000"/>
+                  <a:lumOff val="40000"/>
+                </a:schemeClr>
+              </a:solidFill>
+              <a:latin typeface="Ubuntu" panose="020B0504030602030204" charset="0"/>
+              <a:cs typeface="Ubuntu" panose="020B0504030602030204" charset="0"/>
+            </a:endParaRPr>
+          </a:p>
+        </p:txBody>
+      </p:sp>
+    </p:spTree>
+  </p:cSld>
+  <p:clrMapOvr>
+    <a:masterClrMapping/>
+  </p:clrMapOvr>
+  <mc:AlternateContent xmlns:mc="http://schemas.openxmlformats.org/markup-compatibility/2006">
+    <mc:Choice xmlns:p14="http://schemas.microsoft.com/office/powerpoint/2010/main" Requires="p14">
+      <p:transition spd="slow" p14:dur="1200"/>
+    </mc:Choice>
+    <mc:Fallback>
+      <p:transition spd="slow"/>
+    </mc:Fallback>
+  </mc:AlternateContent>
+</p:sld>
+</file>
+
+<file path=ppt/slides/slide4.xml><?xml version="1.0" encoding="utf-8"?>
 <p:sld xmlns:a="http://schemas.openxmlformats.org/drawingml/2006/main" xmlns:r="http://schemas.openxmlformats.org/officeDocument/2006/relationships" xmlns:p="http://schemas.openxmlformats.org/presentationml/2006/main">
   <p:cSld>
     <p:spTree>
@@ -5963,7 +6741,7 @@
 </p:sld>
 </file>
 
-<file path=ppt/slides/slide4.xml><?xml version="1.0" encoding="utf-8"?>
+<file path=ppt/slides/slide5.xml><?xml version="1.0" encoding="utf-8"?>
 <p:sld xmlns:a="http://schemas.openxmlformats.org/drawingml/2006/main" xmlns:r="http://schemas.openxmlformats.org/officeDocument/2006/relationships" xmlns:p="http://schemas.openxmlformats.org/presentationml/2006/main">
   <p:cSld>
     <p:spTree>
@@ -6110,7 +6888,7 @@
 </p:sld>
 </file>
 
-<file path=ppt/slides/slide5.xml><?xml version="1.0" encoding="utf-8"?>
+<file path=ppt/slides/slide6.xml><?xml version="1.0" encoding="utf-8"?>
 <p:sld xmlns:a="http://schemas.openxmlformats.org/drawingml/2006/main" xmlns:r="http://schemas.openxmlformats.org/officeDocument/2006/relationships" xmlns:p="http://schemas.openxmlformats.org/presentationml/2006/main">
   <p:cSld>
     <p:spTree>
@@ -6299,7 +7077,7 @@
 </p:sld>
 </file>
 
-<file path=ppt/slides/slide6.xml><?xml version="1.0" encoding="utf-8"?>
+<file path=ppt/slides/slide7.xml><?xml version="1.0" encoding="utf-8"?>
 <p:sld xmlns:a="http://schemas.openxmlformats.org/drawingml/2006/main" xmlns:r="http://schemas.openxmlformats.org/officeDocument/2006/relationships" xmlns:p="http://schemas.openxmlformats.org/presentationml/2006/main">
   <p:cSld>
     <p:spTree>
@@ -6502,206 +7280,6 @@
 </p:sld>
 </file>
 
-<file path=ppt/slides/slide7.xml><?xml version="1.0" encoding="utf-8"?>
-<p:sld xmlns:a="http://schemas.openxmlformats.org/drawingml/2006/main" xmlns:r="http://schemas.openxmlformats.org/officeDocument/2006/relationships" xmlns:p="http://schemas.openxmlformats.org/presentationml/2006/main">
-  <p:cSld>
-    <p:spTree>
-      <p:nvGrpSpPr>
-        <p:cNvPr id="1" name=""/>
-        <p:cNvGrpSpPr/>
-        <p:nvPr/>
-      </p:nvGrpSpPr>
-      <p:grpSpPr>
-        <a:xfrm>
-          <a:off x="0" y="0"/>
-          <a:ext cx="0" cy="0"/>
-          <a:chOff x="0" y="0"/>
-          <a:chExt cx="0" cy="0"/>
-        </a:xfrm>
-      </p:grpSpPr>
-      <p:sp>
-        <p:nvSpPr>
-          <p:cNvPr id="2" name="Title 1"/>
-          <p:cNvSpPr>
-            <a:spLocks noGrp="1"/>
-          </p:cNvSpPr>
-          <p:nvPr>
-            <p:ph type="title"/>
-          </p:nvPr>
-        </p:nvSpPr>
-        <p:spPr/>
-        <p:txBody>
-          <a:bodyPr/>
-          <a:lstStyle/>
-          <a:p>
-            <a:pPr algn="l"/>
-            <a:r>
-              <a:rPr lang="en-US">
-                <a:latin typeface="Ubuntu" panose="020B0504030602030204" charset="0"/>
-                <a:cs typeface="Ubuntu" panose="020B0504030602030204" charset="0"/>
-              </a:rPr>
-              <a:t>SQL Databases</a:t>
-            </a:r>
-            <a:endParaRPr lang="en-US">
-              <a:latin typeface="Ubuntu" panose="020B0504030602030204" charset="0"/>
-              <a:cs typeface="Ubuntu" panose="020B0504030602030204" charset="0"/>
-            </a:endParaRPr>
-          </a:p>
-        </p:txBody>
-      </p:sp>
-      <p:sp>
-        <p:nvSpPr>
-          <p:cNvPr id="3" name="Content Placeholder 2"/>
-          <p:cNvSpPr>
-            <a:spLocks noGrp="1"/>
-          </p:cNvSpPr>
-          <p:nvPr>
-            <p:ph idx="1"/>
-          </p:nvPr>
-        </p:nvSpPr>
-        <p:spPr>
-          <a:xfrm>
-            <a:off x="609600" y="1600200"/>
-            <a:ext cx="4907280" cy="4526280"/>
-          </a:xfrm>
-        </p:spPr>
-        <p:txBody>
-          <a:bodyPr/>
-          <a:lstStyle/>
-          <a:p>
-            <a:pPr marL="0" indent="0" algn="l">
-              <a:buNone/>
-            </a:pPr>
-            <a:r>
-              <a:rPr lang="en-US" altLang="ar-EG" sz="2400" b="1" dirty="0">
-                <a:latin typeface="Ubuntu" panose="020B0504030602030204" charset="0"/>
-                <a:cs typeface="Ubuntu" panose="020B0504030602030204" charset="0"/>
-              </a:rPr>
-              <a:t>Database </a:t>
-            </a:r>
-            <a:r>
-              <a:rPr lang="en-US" altLang="ar-EG" sz="2400" dirty="0">
-                <a:latin typeface="Ubuntu" panose="020B0504030602030204" charset="0"/>
-                <a:cs typeface="Ubuntu" panose="020B0504030602030204" charset="0"/>
-              </a:rPr>
-              <a:t>(DB): where the data is stored physical/virtual.</a:t>
-            </a:r>
-            <a:endParaRPr lang="en-US" altLang="ar-EG" sz="2400" dirty="0">
-              <a:latin typeface="Ubuntu" panose="020B0504030602030204" charset="0"/>
-              <a:cs typeface="Ubuntu" panose="020B0504030602030204" charset="0"/>
-            </a:endParaRPr>
-          </a:p>
-          <a:p>
-            <a:pPr marL="0" indent="0" algn="l">
-              <a:buNone/>
-            </a:pPr>
-            <a:endParaRPr lang="en-US" altLang="ar-EG" sz="2400" dirty="0">
-              <a:latin typeface="Ubuntu" panose="020B0504030602030204" charset="0"/>
-              <a:cs typeface="Ubuntu" panose="020B0504030602030204" charset="0"/>
-            </a:endParaRPr>
-          </a:p>
-          <a:p>
-            <a:pPr marL="0" indent="0" algn="l">
-              <a:buNone/>
-            </a:pPr>
-            <a:r>
-              <a:rPr lang="en-US" altLang="ar-EG" sz="2400" b="1" dirty="0">
-                <a:latin typeface="Ubuntu" panose="020B0504030602030204" charset="0"/>
-                <a:cs typeface="Ubuntu" panose="020B0504030602030204" charset="0"/>
-                <a:sym typeface="+mn-ea"/>
-              </a:rPr>
-              <a:t>Database System </a:t>
-            </a:r>
-            <a:r>
-              <a:rPr lang="en-US" altLang="ar-EG" sz="2400" dirty="0">
-                <a:latin typeface="Ubuntu" panose="020B0504030602030204" charset="0"/>
-                <a:cs typeface="Ubuntu" panose="020B0504030602030204" charset="0"/>
-                <a:sym typeface="+mn-ea"/>
-              </a:rPr>
-              <a:t>(DBS): A system for systematic and effective organization of data.</a:t>
-            </a:r>
-            <a:endParaRPr lang="en-US" altLang="ar-EG" sz="2400" dirty="0">
-              <a:latin typeface="Ubuntu" panose="020B0504030602030204" charset="0"/>
-              <a:cs typeface="Ubuntu" panose="020B0504030602030204" charset="0"/>
-              <a:sym typeface="+mn-ea"/>
-            </a:endParaRPr>
-          </a:p>
-          <a:p>
-            <a:pPr marL="0" indent="0" algn="l">
-              <a:buNone/>
-            </a:pPr>
-            <a:endParaRPr lang="en-US" altLang="ar-EG" sz="2400" dirty="0">
-              <a:latin typeface="Ubuntu" panose="020B0504030602030204" charset="0"/>
-              <a:cs typeface="Ubuntu" panose="020B0504030602030204" charset="0"/>
-              <a:sym typeface="+mn-ea"/>
-            </a:endParaRPr>
-          </a:p>
-          <a:p>
-            <a:pPr marL="0" indent="0" algn="l">
-              <a:buNone/>
-            </a:pPr>
-            <a:r>
-              <a:rPr lang="en-US" altLang="ar-EG" sz="2400" b="1" dirty="0">
-                <a:latin typeface="Ubuntu" panose="020B0504030602030204" charset="0"/>
-                <a:cs typeface="Ubuntu" panose="020B0504030602030204" charset="0"/>
-              </a:rPr>
-              <a:t>Database management system</a:t>
-            </a:r>
-            <a:r>
-              <a:rPr lang="en-US" altLang="ar-EG" sz="2400" dirty="0">
-                <a:latin typeface="Ubuntu" panose="020B0504030602030204" charset="0"/>
-                <a:cs typeface="Ubuntu" panose="020B0504030602030204" charset="0"/>
-              </a:rPr>
-              <a:t> (DBMS): A Software to organize the data stored in the database.</a:t>
-            </a:r>
-            <a:endParaRPr lang="en-US" altLang="ar-EG" sz="2400" dirty="0">
-              <a:latin typeface="Ubuntu" panose="020B0504030602030204" charset="0"/>
-              <a:cs typeface="Ubuntu" panose="020B0504030602030204" charset="0"/>
-            </a:endParaRPr>
-          </a:p>
-        </p:txBody>
-      </p:sp>
-      <p:pic>
-        <p:nvPicPr>
-          <p:cNvPr id="4" name="Picture 3"/>
-          <p:cNvPicPr>
-            <a:picLocks noChangeAspect="1"/>
-          </p:cNvPicPr>
-          <p:nvPr/>
-        </p:nvPicPr>
-        <p:blipFill>
-          <a:blip r:embed="rId1"/>
-          <a:srcRect t="17079"/>
-          <a:stretch>
-            <a:fillRect/>
-          </a:stretch>
-        </p:blipFill>
-        <p:spPr>
-          <a:xfrm>
-            <a:off x="5516245" y="1417955"/>
-            <a:ext cx="6478905" cy="4698365"/>
-          </a:xfrm>
-          <a:prstGeom prst="rect">
-            <a:avLst/>
-          </a:prstGeom>
-        </p:spPr>
-      </p:pic>
-    </p:spTree>
-  </p:cSld>
-  <p:clrMapOvr>
-    <a:masterClrMapping/>
-  </p:clrMapOvr>
-  <mc:AlternateContent xmlns:mc="http://schemas.openxmlformats.org/markup-compatibility/2006">
-    <mc:Choice xmlns:p14="http://schemas.microsoft.com/office/powerpoint/2010/main" Requires="p14">
-      <p:transition spd="slow" p14:dur="1200"/>
-    </mc:Choice>
-    <mc:Fallback>
-      <p:transition spd="slow"/>
-    </mc:Fallback>
-  </mc:AlternateContent>
-</p:sld>
-</file>
-
 <file path=ppt/slides/slide8.xml><?xml version="1.0" encoding="utf-8"?>
 <p:sld xmlns:a="http://schemas.openxmlformats.org/drawingml/2006/main" xmlns:r="http://schemas.openxmlformats.org/officeDocument/2006/relationships" xmlns:p="http://schemas.openxmlformats.org/presentationml/2006/main">
   <p:cSld>
@@ -6740,7 +7318,7 @@
                 <a:latin typeface="Ubuntu" panose="020B0504030602030204" charset="0"/>
                 <a:cs typeface="Ubuntu" panose="020B0504030602030204" charset="0"/>
               </a:rPr>
-              <a:t>SQL Databases (cont)</a:t>
+              <a:t>Outline</a:t>
             </a:r>
             <a:endParaRPr lang="en-US">
               <a:latin typeface="Ubuntu" panose="020B0504030602030204" charset="0"/>
@@ -6764,36 +7342,45 @@
           <a:bodyPr/>
           <a:lstStyle/>
           <a:p>
-            <a:pPr marL="0" indent="0" algn="l">
-              <a:buNone/>
+            <a:pPr marL="457200" indent="-457200" algn="l">
+              <a:buFont typeface="+mj-lt"/>
+              <a:buAutoNum type="arabicPeriod"/>
             </a:pPr>
             <a:r>
-              <a:rPr lang="en-US" altLang="ar-EG" sz="2400" b="1" dirty="0">
-                <a:latin typeface="Ubuntu" panose="020B0504030602030204" charset="0"/>
-                <a:cs typeface="Ubuntu" panose="020B0504030602030204" charset="0"/>
-              </a:rPr>
-              <a:t>Structure Query Language</a:t>
-            </a:r>
-            <a:r>
               <a:rPr lang="en-US" altLang="ar-EG" sz="2400" dirty="0">
-                <a:latin typeface="Ubuntu" panose="020B0504030602030204" charset="0"/>
-                <a:cs typeface="Ubuntu" panose="020B0504030602030204" charset="0"/>
-              </a:rPr>
-              <a:t> (SQL): is a standard programming language used to operate </a:t>
-            </a:r>
-            <a:r>
-              <a:rPr lang="en-US" altLang="ar-EG" sz="2400" b="1" dirty="0">
-                <a:latin typeface="Ubuntu" panose="020B0504030602030204" charset="0"/>
-                <a:cs typeface="Ubuntu" panose="020B0504030602030204" charset="0"/>
-              </a:rPr>
-              <a:t>Relational Databases </a:t>
-            </a:r>
+                <a:solidFill>
+                  <a:schemeClr val="bg2">
+                    <a:lumMod val="60000"/>
+                    <a:lumOff val="40000"/>
+                  </a:schemeClr>
+                </a:solidFill>
+                <a:latin typeface="Ubuntu" panose="020B0504030602030204" charset="0"/>
+                <a:cs typeface="Ubuntu" panose="020B0504030602030204" charset="0"/>
+              </a:rPr>
+              <a:t>Tools</a:t>
+            </a:r>
+            <a:endParaRPr lang="en-US" altLang="ar-EG" sz="2400" dirty="0">
+              <a:solidFill>
+                <a:schemeClr val="bg2">
+                  <a:lumMod val="60000"/>
+                  <a:lumOff val="40000"/>
+                </a:schemeClr>
+              </a:solidFill>
+              <a:latin typeface="Ubuntu" panose="020B0504030602030204" charset="0"/>
+              <a:cs typeface="Ubuntu" panose="020B0504030602030204" charset="0"/>
+            </a:endParaRPr>
+          </a:p>
+          <a:p>
+            <a:pPr marL="457200" indent="-457200" algn="l">
+              <a:buFont typeface="+mj-lt"/>
+              <a:buAutoNum type="arabicPeriod"/>
+            </a:pPr>
             <a:r>
               <a:rPr lang="en-US" altLang="ar-EG" sz="2400" dirty="0">
                 <a:latin typeface="Ubuntu" panose="020B0504030602030204" charset="0"/>
                 <a:cs typeface="Ubuntu" panose="020B0504030602030204" charset="0"/>
               </a:rPr>
-              <a:t>and carry out various operations such: </a:t>
+              <a:t>SQL Basics</a:t>
             </a:r>
             <a:endParaRPr lang="en-US" altLang="ar-EG" sz="2400" dirty="0">
               <a:latin typeface="Ubuntu" panose="020B0504030602030204" charset="0"/>
@@ -6801,71 +7388,46 @@
             </a:endParaRPr>
           </a:p>
           <a:p>
-            <a:pPr algn="l"/>
+            <a:pPr marL="457200" indent="-457200" algn="l">
+              <a:buFont typeface="+mj-lt"/>
+              <a:buAutoNum type="arabicPeriod"/>
+            </a:pPr>
             <a:r>
               <a:rPr lang="en-US" altLang="ar-EG" sz="2400" dirty="0">
-                <a:latin typeface="Ubuntu" panose="020B0504030602030204" charset="0"/>
-                <a:cs typeface="Ubuntu" panose="020B0504030602030204" charset="0"/>
-              </a:rPr>
-              <a:t>Create new databases, tables, and views.</a:t>
+                <a:solidFill>
+                  <a:schemeClr val="bg2">
+                    <a:lumMod val="60000"/>
+                    <a:lumOff val="40000"/>
+                  </a:schemeClr>
+                </a:solidFill>
+                <a:latin typeface="Ubuntu" panose="020B0504030602030204" charset="0"/>
+                <a:cs typeface="Ubuntu" panose="020B0504030602030204" charset="0"/>
+              </a:rPr>
+              <a:t>Lab</a:t>
             </a:r>
             <a:endParaRPr lang="en-US" altLang="ar-EG" sz="2400" dirty="0">
+              <a:solidFill>
+                <a:schemeClr val="bg2">
+                  <a:lumMod val="60000"/>
+                  <a:lumOff val="40000"/>
+                </a:schemeClr>
+              </a:solidFill>
               <a:latin typeface="Ubuntu" panose="020B0504030602030204" charset="0"/>
               <a:cs typeface="Ubuntu" panose="020B0504030602030204" charset="0"/>
             </a:endParaRPr>
           </a:p>
           <a:p>
-            <a:pPr algn="l"/>
-            <a:r>
-              <a:rPr lang="en-US" altLang="ar-EG" sz="2400" dirty="0">
-                <a:latin typeface="Ubuntu" panose="020B0504030602030204" charset="0"/>
-                <a:cs typeface="Ubuntu" panose="020B0504030602030204" charset="0"/>
-              </a:rPr>
-              <a:t>Insert records in a database.</a:t>
-            </a:r>
+            <a:pPr marL="457200" indent="-457200" algn="l">
+              <a:buFont typeface="+mj-lt"/>
+              <a:buAutoNum type="arabicPeriod"/>
+            </a:pPr>
             <a:endParaRPr lang="en-US" altLang="ar-EG" sz="2400" dirty="0">
-              <a:latin typeface="Ubuntu" panose="020B0504030602030204" charset="0"/>
-              <a:cs typeface="Ubuntu" panose="020B0504030602030204" charset="0"/>
-            </a:endParaRPr>
-          </a:p>
-          <a:p>
-            <a:pPr algn="l"/>
-            <a:r>
-              <a:rPr lang="en-US" altLang="ar-EG" sz="2400" dirty="0">
-                <a:latin typeface="Ubuntu" panose="020B0504030602030204" charset="0"/>
-                <a:cs typeface="Ubuntu" panose="020B0504030602030204" charset="0"/>
-              </a:rPr>
-              <a:t>Update records in a database.</a:t>
-            </a:r>
-            <a:endParaRPr lang="en-US" altLang="ar-EG" sz="2400" dirty="0">
-              <a:latin typeface="Ubuntu" panose="020B0504030602030204" charset="0"/>
-              <a:cs typeface="Ubuntu" panose="020B0504030602030204" charset="0"/>
-            </a:endParaRPr>
-          </a:p>
-          <a:p>
-            <a:pPr algn="l"/>
-            <a:r>
-              <a:rPr lang="en-US" altLang="ar-EG" sz="2400" dirty="0">
-                <a:latin typeface="Ubuntu" panose="020B0504030602030204" charset="0"/>
-                <a:cs typeface="Ubuntu" panose="020B0504030602030204" charset="0"/>
-              </a:rPr>
-              <a:t>Delete records from a database.</a:t>
-            </a:r>
-            <a:endParaRPr lang="en-US" altLang="ar-EG" sz="2400" dirty="0">
-              <a:latin typeface="Ubuntu" panose="020B0504030602030204" charset="0"/>
-              <a:cs typeface="Ubuntu" panose="020B0504030602030204" charset="0"/>
-            </a:endParaRPr>
-          </a:p>
-          <a:p>
-            <a:pPr algn="l"/>
-            <a:r>
-              <a:rPr lang="en-US" altLang="ar-EG" sz="2400" dirty="0">
-                <a:latin typeface="Ubuntu" panose="020B0504030602030204" charset="0"/>
-                <a:cs typeface="Ubuntu" panose="020B0504030602030204" charset="0"/>
-              </a:rPr>
-              <a:t>Retrieve data from a database.</a:t>
-            </a:r>
-            <a:endParaRPr lang="en-US" altLang="ar-EG" sz="2400" dirty="0">
+              <a:solidFill>
+                <a:schemeClr val="bg2">
+                  <a:lumMod val="60000"/>
+                  <a:lumOff val="40000"/>
+                </a:schemeClr>
+              </a:solidFill>
               <a:latin typeface="Ubuntu" panose="020B0504030602030204" charset="0"/>
               <a:cs typeface="Ubuntu" panose="020B0504030602030204" charset="0"/>
             </a:endParaRPr>
@@ -6926,9 +7488,121 @@
                 <a:latin typeface="Ubuntu" panose="020B0504030602030204" charset="0"/>
                 <a:cs typeface="Ubuntu" panose="020B0504030602030204" charset="0"/>
               </a:rPr>
-              <a:t>SQL Databases (cont)</a:t>
+              <a:t>SQL Databases</a:t>
             </a:r>
             <a:endParaRPr lang="en-US">
+              <a:latin typeface="Ubuntu" panose="020B0504030602030204" charset="0"/>
+              <a:cs typeface="Ubuntu" panose="020B0504030602030204" charset="0"/>
+            </a:endParaRPr>
+          </a:p>
+        </p:txBody>
+      </p:sp>
+      <p:sp>
+        <p:nvSpPr>
+          <p:cNvPr id="3" name="Content Placeholder 2"/>
+          <p:cNvSpPr>
+            <a:spLocks noGrp="1"/>
+          </p:cNvSpPr>
+          <p:nvPr>
+            <p:ph idx="1"/>
+          </p:nvPr>
+        </p:nvSpPr>
+        <p:spPr>
+          <a:xfrm>
+            <a:off x="609600" y="1600200"/>
+            <a:ext cx="4907280" cy="4526280"/>
+          </a:xfrm>
+        </p:spPr>
+        <p:txBody>
+          <a:bodyPr/>
+          <a:lstStyle/>
+          <a:p>
+            <a:pPr marL="0" indent="0" algn="l">
+              <a:buNone/>
+            </a:pPr>
+            <a:r>
+              <a:rPr lang="en-US" altLang="ar-EG" sz="2400" b="1" dirty="0">
+                <a:latin typeface="Ubuntu" panose="020B0504030602030204" charset="0"/>
+                <a:cs typeface="Ubuntu" panose="020B0504030602030204" charset="0"/>
+              </a:rPr>
+              <a:t>Database </a:t>
+            </a:r>
+            <a:r>
+              <a:rPr lang="en-US" altLang="ar-EG" sz="2400" dirty="0">
+                <a:latin typeface="Ubuntu" panose="020B0504030602030204" charset="0"/>
+                <a:cs typeface="Ubuntu" panose="020B0504030602030204" charset="0"/>
+              </a:rPr>
+              <a:t>(DB): where the data is stored physical/virtual.</a:t>
+            </a:r>
+            <a:endParaRPr lang="en-US" altLang="ar-EG" sz="2400" dirty="0">
+              <a:latin typeface="Ubuntu" panose="020B0504030602030204" charset="0"/>
+              <a:cs typeface="Ubuntu" panose="020B0504030602030204" charset="0"/>
+            </a:endParaRPr>
+          </a:p>
+          <a:p>
+            <a:pPr marL="0" indent="0" algn="l">
+              <a:buNone/>
+            </a:pPr>
+            <a:endParaRPr lang="en-US" altLang="ar-EG" sz="2400" dirty="0">
+              <a:latin typeface="Ubuntu" panose="020B0504030602030204" charset="0"/>
+              <a:cs typeface="Ubuntu" panose="020B0504030602030204" charset="0"/>
+            </a:endParaRPr>
+          </a:p>
+          <a:p>
+            <a:pPr marL="0" indent="0" algn="l">
+              <a:buNone/>
+            </a:pPr>
+            <a:r>
+              <a:rPr lang="en-US" altLang="ar-EG" sz="2400" b="1" dirty="0">
+                <a:latin typeface="Ubuntu" panose="020B0504030602030204" charset="0"/>
+                <a:cs typeface="Ubuntu" panose="020B0504030602030204" charset="0"/>
+                <a:sym typeface="+mn-ea"/>
+              </a:rPr>
+              <a:t>Database System </a:t>
+            </a:r>
+            <a:r>
+              <a:rPr lang="en-US" altLang="ar-EG" sz="2400" dirty="0">
+                <a:latin typeface="Ubuntu" panose="020B0504030602030204" charset="0"/>
+                <a:cs typeface="Ubuntu" panose="020B0504030602030204" charset="0"/>
+                <a:sym typeface="+mn-ea"/>
+              </a:rPr>
+              <a:t>(DBS): A system for systematic and effective organization of data.</a:t>
+            </a:r>
+            <a:endParaRPr lang="en-US" altLang="ar-EG" sz="2400" dirty="0">
+              <a:latin typeface="Ubuntu" panose="020B0504030602030204" charset="0"/>
+              <a:cs typeface="Ubuntu" panose="020B0504030602030204" charset="0"/>
+              <a:sym typeface="+mn-ea"/>
+            </a:endParaRPr>
+          </a:p>
+          <a:p>
+            <a:pPr marL="0" indent="0" algn="l">
+              <a:buNone/>
+            </a:pPr>
+            <a:endParaRPr lang="en-US" altLang="ar-EG" sz="2400" dirty="0">
+              <a:latin typeface="Ubuntu" panose="020B0504030602030204" charset="0"/>
+              <a:cs typeface="Ubuntu" panose="020B0504030602030204" charset="0"/>
+              <a:sym typeface="+mn-ea"/>
+            </a:endParaRPr>
+          </a:p>
+          <a:p>
+            <a:pPr marL="0" indent="0" algn="l">
+              <a:buNone/>
+            </a:pPr>
+            <a:r>
+              <a:rPr lang="en-US" altLang="ar-EG" sz="2400" b="1" dirty="0">
+                <a:latin typeface="Ubuntu" panose="020B0504030602030204" charset="0"/>
+                <a:cs typeface="Ubuntu" panose="020B0504030602030204" charset="0"/>
+              </a:rPr>
+              <a:t>Database management system</a:t>
+            </a:r>
+            <a:r>
+              <a:rPr lang="en-US" altLang="ar-EG" sz="2400" dirty="0">
+                <a:latin typeface="Ubuntu" panose="020B0504030602030204" charset="0"/>
+                <a:cs typeface="Ubuntu" panose="020B0504030602030204" charset="0"/>
+              </a:rPr>
+              <a:t> (DBMS): A Software to organize the data stored in the database.</a:t>
+            </a:r>
+            <a:endParaRPr lang="en-US" altLang="ar-EG" sz="2400" dirty="0">
               <a:latin typeface="Ubuntu" panose="020B0504030602030204" charset="0"/>
               <a:cs typeface="Ubuntu" panose="020B0504030602030204" charset="0"/>
             </a:endParaRPr>
@@ -6945,14 +7619,15 @@
         </p:nvPicPr>
         <p:blipFill>
           <a:blip r:embed="rId1"/>
+          <a:srcRect t="17079"/>
           <a:stretch>
             <a:fillRect/>
           </a:stretch>
         </p:blipFill>
         <p:spPr>
           <a:xfrm>
-            <a:off x="2355215" y="1543050"/>
-            <a:ext cx="7482205" cy="5037455"/>
+            <a:off x="5516245" y="1417955"/>
+            <a:ext cx="6478905" cy="4698365"/>
           </a:xfrm>
           <a:prstGeom prst="rect">
             <a:avLst/>
